--- a/mobys-docs/1.pptx
+++ b/mobys-docs/1.pptx
@@ -109,6 +109,11 @@
       </a:defRPr>
     </a:lvl9pPr>
   </p:defaultTextStyle>
+  <p:extLst>
+    <p:ext uri="{EFAFB233-063F-42B5-8137-9DF3F51BA10A}">
+      <p15:sldGuideLst xmlns:p15="http://schemas.microsoft.com/office/powerpoint/2012/main"/>
+    </p:ext>
+  </p:extLst>
 </p:presentation>
 </file>
 
@@ -261,7 +266,7 @@
           <a:p>
             <a:fld id="{50160722-6A9B-9842-B791-CFA39F1FD294}" type="datetimeFigureOut">
               <a:rPr lang="en-TR" smtClean="0"/>
-              <a:t>24.10.2022</a:t>
+              <a:t>4.11.2022</a:t>
             </a:fld>
             <a:endParaRPr lang="en-TR"/>
           </a:p>
@@ -461,7 +466,7 @@
           <a:p>
             <a:fld id="{50160722-6A9B-9842-B791-CFA39F1FD294}" type="datetimeFigureOut">
               <a:rPr lang="en-TR" smtClean="0"/>
-              <a:t>24.10.2022</a:t>
+              <a:t>4.11.2022</a:t>
             </a:fld>
             <a:endParaRPr lang="en-TR"/>
           </a:p>
@@ -671,7 +676,7 @@
           <a:p>
             <a:fld id="{50160722-6A9B-9842-B791-CFA39F1FD294}" type="datetimeFigureOut">
               <a:rPr lang="en-TR" smtClean="0"/>
-              <a:t>24.10.2022</a:t>
+              <a:t>4.11.2022</a:t>
             </a:fld>
             <a:endParaRPr lang="en-TR"/>
           </a:p>
@@ -871,7 +876,7 @@
           <a:p>
             <a:fld id="{50160722-6A9B-9842-B791-CFA39F1FD294}" type="datetimeFigureOut">
               <a:rPr lang="en-TR" smtClean="0"/>
-              <a:t>24.10.2022</a:t>
+              <a:t>4.11.2022</a:t>
             </a:fld>
             <a:endParaRPr lang="en-TR"/>
           </a:p>
@@ -1147,7 +1152,7 @@
           <a:p>
             <a:fld id="{50160722-6A9B-9842-B791-CFA39F1FD294}" type="datetimeFigureOut">
               <a:rPr lang="en-TR" smtClean="0"/>
-              <a:t>24.10.2022</a:t>
+              <a:t>4.11.2022</a:t>
             </a:fld>
             <a:endParaRPr lang="en-TR"/>
           </a:p>
@@ -1415,7 +1420,7 @@
           <a:p>
             <a:fld id="{50160722-6A9B-9842-B791-CFA39F1FD294}" type="datetimeFigureOut">
               <a:rPr lang="en-TR" smtClean="0"/>
-              <a:t>24.10.2022</a:t>
+              <a:t>4.11.2022</a:t>
             </a:fld>
             <a:endParaRPr lang="en-TR"/>
           </a:p>
@@ -1830,7 +1835,7 @@
           <a:p>
             <a:fld id="{50160722-6A9B-9842-B791-CFA39F1FD294}" type="datetimeFigureOut">
               <a:rPr lang="en-TR" smtClean="0"/>
-              <a:t>24.10.2022</a:t>
+              <a:t>4.11.2022</a:t>
             </a:fld>
             <a:endParaRPr lang="en-TR"/>
           </a:p>
@@ -1972,7 +1977,7 @@
           <a:p>
             <a:fld id="{50160722-6A9B-9842-B791-CFA39F1FD294}" type="datetimeFigureOut">
               <a:rPr lang="en-TR" smtClean="0"/>
-              <a:t>24.10.2022</a:t>
+              <a:t>4.11.2022</a:t>
             </a:fld>
             <a:endParaRPr lang="en-TR"/>
           </a:p>
@@ -2085,7 +2090,7 @@
           <a:p>
             <a:fld id="{50160722-6A9B-9842-B791-CFA39F1FD294}" type="datetimeFigureOut">
               <a:rPr lang="en-TR" smtClean="0"/>
-              <a:t>24.10.2022</a:t>
+              <a:t>4.11.2022</a:t>
             </a:fld>
             <a:endParaRPr lang="en-TR"/>
           </a:p>
@@ -2398,7 +2403,7 @@
           <a:p>
             <a:fld id="{50160722-6A9B-9842-B791-CFA39F1FD294}" type="datetimeFigureOut">
               <a:rPr lang="en-TR" smtClean="0"/>
-              <a:t>24.10.2022</a:t>
+              <a:t>4.11.2022</a:t>
             </a:fld>
             <a:endParaRPr lang="en-TR"/>
           </a:p>
@@ -2687,7 +2692,7 @@
           <a:p>
             <a:fld id="{50160722-6A9B-9842-B791-CFA39F1FD294}" type="datetimeFigureOut">
               <a:rPr lang="en-TR" smtClean="0"/>
-              <a:t>24.10.2022</a:t>
+              <a:t>4.11.2022</a:t>
             </a:fld>
             <a:endParaRPr lang="en-TR"/>
           </a:p>
@@ -2930,7 +2935,7 @@
           <a:p>
             <a:fld id="{50160722-6A9B-9842-B791-CFA39F1FD294}" type="datetimeFigureOut">
               <a:rPr lang="en-TR" smtClean="0"/>
-              <a:t>24.10.2022</a:t>
+              <a:t>4.11.2022</a:t>
             </a:fld>
             <a:endParaRPr lang="en-TR"/>
           </a:p>
@@ -3370,7 +3375,7 @@
           <a:p>
             <a:r>
               <a:rPr lang="en-TR" dirty="0"/>
-              <a:t>Mobys</a:t>
+              <a:t>MOBYS</a:t>
             </a:r>
           </a:p>
         </p:txBody>
@@ -3954,7 +3959,7 @@
             <a:pPr algn="ctr"/>
             <a:r>
               <a:rPr lang="en-TR" dirty="0"/>
-              <a:t>Server</a:t>
+              <a:t>Service</a:t>
             </a:r>
           </a:p>
         </p:txBody>

--- a/mobys-docs/1.pptx
+++ b/mobys-docs/1.pptx
@@ -2,7 +2,7 @@
 <file path=ppt/presentation.xml><?xml version="1.0" encoding="utf-8"?>
 <p:presentation xmlns:a="http://schemas.openxmlformats.org/drawingml/2006/main" xmlns:r="http://schemas.openxmlformats.org/officeDocument/2006/relationships" xmlns:p="http://schemas.openxmlformats.org/presentationml/2006/main" saveSubsetFonts="1" autoCompressPictures="0">
   <p:sldMasterIdLst>
-    <p:sldMasterId id="2147483648" r:id="rId1"/>
+    <p:sldMasterId id="2147483816" r:id="rId1"/>
   </p:sldMasterIdLst>
   <p:sldIdLst>
     <p:sldId id="256" r:id="rId2"/>
@@ -16,9 +16,9 @@
   <p:notesSz cx="6858000" cy="9144000"/>
   <p:defaultTextStyle>
     <a:defPPr>
-      <a:defRPr lang="en-TR"/>
+      <a:defRPr lang="en-US"/>
     </a:defPPr>
-    <a:lvl1pPr marL="0" algn="l" defTabSz="914400" rtl="0" eaLnBrk="1" latinLnBrk="0" hangingPunct="1">
+    <a:lvl1pPr marL="0" algn="l" defTabSz="457200" rtl="0" eaLnBrk="1" latinLnBrk="0" hangingPunct="1">
       <a:defRPr sz="1800" kern="1200">
         <a:solidFill>
           <a:schemeClr val="tx1"/>
@@ -28,7 +28,7 @@
         <a:cs typeface="+mn-cs"/>
       </a:defRPr>
     </a:lvl1pPr>
-    <a:lvl2pPr marL="457200" algn="l" defTabSz="914400" rtl="0" eaLnBrk="1" latinLnBrk="0" hangingPunct="1">
+    <a:lvl2pPr marL="457200" algn="l" defTabSz="457200" rtl="0" eaLnBrk="1" latinLnBrk="0" hangingPunct="1">
       <a:defRPr sz="1800" kern="1200">
         <a:solidFill>
           <a:schemeClr val="tx1"/>
@@ -38,7 +38,7 @@
         <a:cs typeface="+mn-cs"/>
       </a:defRPr>
     </a:lvl2pPr>
-    <a:lvl3pPr marL="914400" algn="l" defTabSz="914400" rtl="0" eaLnBrk="1" latinLnBrk="0" hangingPunct="1">
+    <a:lvl3pPr marL="914400" algn="l" defTabSz="457200" rtl="0" eaLnBrk="1" latinLnBrk="0" hangingPunct="1">
       <a:defRPr sz="1800" kern="1200">
         <a:solidFill>
           <a:schemeClr val="tx1"/>
@@ -48,7 +48,7 @@
         <a:cs typeface="+mn-cs"/>
       </a:defRPr>
     </a:lvl3pPr>
-    <a:lvl4pPr marL="1371600" algn="l" defTabSz="914400" rtl="0" eaLnBrk="1" latinLnBrk="0" hangingPunct="1">
+    <a:lvl4pPr marL="1371600" algn="l" defTabSz="457200" rtl="0" eaLnBrk="1" latinLnBrk="0" hangingPunct="1">
       <a:defRPr sz="1800" kern="1200">
         <a:solidFill>
           <a:schemeClr val="tx1"/>
@@ -58,7 +58,7 @@
         <a:cs typeface="+mn-cs"/>
       </a:defRPr>
     </a:lvl4pPr>
-    <a:lvl5pPr marL="1828800" algn="l" defTabSz="914400" rtl="0" eaLnBrk="1" latinLnBrk="0" hangingPunct="1">
+    <a:lvl5pPr marL="1828800" algn="l" defTabSz="457200" rtl="0" eaLnBrk="1" latinLnBrk="0" hangingPunct="1">
       <a:defRPr sz="1800" kern="1200">
         <a:solidFill>
           <a:schemeClr val="tx1"/>
@@ -68,7 +68,7 @@
         <a:cs typeface="+mn-cs"/>
       </a:defRPr>
     </a:lvl5pPr>
-    <a:lvl6pPr marL="2286000" algn="l" defTabSz="914400" rtl="0" eaLnBrk="1" latinLnBrk="0" hangingPunct="1">
+    <a:lvl6pPr marL="2286000" algn="l" defTabSz="457200" rtl="0" eaLnBrk="1" latinLnBrk="0" hangingPunct="1">
       <a:defRPr sz="1800" kern="1200">
         <a:solidFill>
           <a:schemeClr val="tx1"/>
@@ -78,7 +78,7 @@
         <a:cs typeface="+mn-cs"/>
       </a:defRPr>
     </a:lvl6pPr>
-    <a:lvl7pPr marL="2743200" algn="l" defTabSz="914400" rtl="0" eaLnBrk="1" latinLnBrk="0" hangingPunct="1">
+    <a:lvl7pPr marL="2743200" algn="l" defTabSz="457200" rtl="0" eaLnBrk="1" latinLnBrk="0" hangingPunct="1">
       <a:defRPr sz="1800" kern="1200">
         <a:solidFill>
           <a:schemeClr val="tx1"/>
@@ -88,7 +88,7 @@
         <a:cs typeface="+mn-cs"/>
       </a:defRPr>
     </a:lvl7pPr>
-    <a:lvl8pPr marL="3200400" algn="l" defTabSz="914400" rtl="0" eaLnBrk="1" latinLnBrk="0" hangingPunct="1">
+    <a:lvl8pPr marL="3200400" algn="l" defTabSz="457200" rtl="0" eaLnBrk="1" latinLnBrk="0" hangingPunct="1">
       <a:defRPr sz="1800" kern="1200">
         <a:solidFill>
           <a:schemeClr val="tx1"/>
@@ -98,7 +98,7 @@
         <a:cs typeface="+mn-cs"/>
       </a:defRPr>
     </a:lvl8pPr>
-    <a:lvl9pPr marL="3657600" algn="l" defTabSz="914400" rtl="0" eaLnBrk="1" latinLnBrk="0" hangingPunct="1">
+    <a:lvl9pPr marL="3657600" algn="l" defTabSz="457200" rtl="0" eaLnBrk="1" latinLnBrk="0" hangingPunct="1">
       <a:defRPr sz="1800" kern="1200">
         <a:solidFill>
           <a:schemeClr val="tx1"/>
@@ -120,6 +120,14 @@
 <file path=ppt/slideLayouts/slideLayout1.xml><?xml version="1.0" encoding="utf-8"?>
 <p:sldLayout xmlns:a="http://schemas.openxmlformats.org/drawingml/2006/main" xmlns:r="http://schemas.openxmlformats.org/officeDocument/2006/relationships" xmlns:p="http://schemas.openxmlformats.org/presentationml/2006/main" type="title" preserve="1">
   <p:cSld name="Title Slide">
+    <p:bg>
+      <p:bgPr>
+        <a:solidFill>
+          <a:schemeClr val="accent2"/>
+        </a:solidFill>
+        <a:effectLst/>
+      </p:bgPr>
+    </p:bg>
     <p:spTree>
       <p:nvGrpSpPr>
         <p:cNvPr id="1" name=""/>
@@ -136,70 +144,82 @@
       </p:grpSpPr>
       <p:sp>
         <p:nvSpPr>
-          <p:cNvPr id="2" name="Title 1">
-            <a:extLst>
-              <a:ext uri="{FF2B5EF4-FFF2-40B4-BE49-F238E27FC236}">
-                <a16:creationId xmlns:a16="http://schemas.microsoft.com/office/drawing/2014/main" id="{214D5FE9-6472-B241-9FA2-B8CBE8189284}"/>
-              </a:ext>
-            </a:extLst>
-          </p:cNvPr>
+          <p:cNvPr id="2" name="Title 1"/>
           <p:cNvSpPr>
             <a:spLocks noGrp="1"/>
           </p:cNvSpPr>
           <p:nvPr>
             <p:ph type="ctrTitle"/>
+          </p:nvPr>
+        </p:nvSpPr>
+        <p:spPr bwMode="blackWhite">
+          <a:xfrm>
+            <a:off x="1600200" y="2386744"/>
+            <a:ext cx="8991600" cy="1645920"/>
+          </a:xfrm>
+          <a:solidFill>
+            <a:srgbClr val="FFFFFF"/>
+          </a:solidFill>
+          <a:ln w="38100">
+            <a:solidFill>
+              <a:srgbClr val="404040"/>
+            </a:solidFill>
+          </a:ln>
+        </p:spPr>
+        <p:txBody>
+          <a:bodyPr lIns="274320" rIns="274320" anchor="ctr" anchorCtr="1">
+            <a:normAutofit/>
+          </a:bodyPr>
+          <a:lstStyle>
+            <a:lvl1pPr algn="ctr">
+              <a:defRPr sz="3800">
+                <a:solidFill>
+                  <a:srgbClr val="262626"/>
+                </a:solidFill>
+              </a:defRPr>
+            </a:lvl1pPr>
+          </a:lstStyle>
+          <a:p>
+            <a:r>
+              <a:rPr lang="en-US"/>
+              <a:t>Click to edit Master title style</a:t>
+            </a:r>
+            <a:endParaRPr lang="en-US" dirty="0"/>
+          </a:p>
+        </p:txBody>
+      </p:sp>
+      <p:sp>
+        <p:nvSpPr>
+          <p:cNvPr id="3" name="Subtitle 2"/>
+          <p:cNvSpPr>
+            <a:spLocks noGrp="1"/>
+          </p:cNvSpPr>
+          <p:nvPr>
+            <p:ph type="subTitle" idx="1"/>
           </p:nvPr>
         </p:nvSpPr>
         <p:spPr>
           <a:xfrm>
-            <a:off x="1524000" y="1122363"/>
-            <a:ext cx="9144000" cy="2387600"/>
+            <a:off x="2695194" y="4352544"/>
+            <a:ext cx="6801612" cy="1239894"/>
           </a:xfrm>
+          <a:noFill/>
         </p:spPr>
         <p:txBody>
-          <a:bodyPr anchor="b"/>
-          <a:lstStyle>
-            <a:lvl1pPr algn="ctr">
-              <a:defRPr sz="6000"/>
-            </a:lvl1pPr>
-          </a:lstStyle>
-          <a:p>
-            <a:r>
-              <a:rPr lang="en-US"/>
-              <a:t>Click to edit Master title style</a:t>
-            </a:r>
-            <a:endParaRPr lang="en-TR"/>
-          </a:p>
-        </p:txBody>
-      </p:sp>
-      <p:sp>
-        <p:nvSpPr>
-          <p:cNvPr id="3" name="Subtitle 2">
-            <a:extLst>
-              <a:ext uri="{FF2B5EF4-FFF2-40B4-BE49-F238E27FC236}">
-                <a16:creationId xmlns:a16="http://schemas.microsoft.com/office/drawing/2014/main" id="{6BBC93FE-6999-6041-AF58-F7D7B20A39E5}"/>
-              </a:ext>
-            </a:extLst>
-          </p:cNvPr>
-          <p:cNvSpPr>
-            <a:spLocks noGrp="1"/>
-          </p:cNvSpPr>
-          <p:nvPr>
-            <p:ph type="subTitle" idx="1"/>
-          </p:nvPr>
-        </p:nvSpPr>
-        <p:spPr>
-          <a:xfrm>
-            <a:off x="1524000" y="3602038"/>
-            <a:ext cx="9144000" cy="1655762"/>
-          </a:xfrm>
-        </p:spPr>
-        <p:txBody>
-          <a:bodyPr/>
+          <a:bodyPr>
+            <a:normAutofit/>
+          </a:bodyPr>
           <a:lstStyle>
             <a:lvl1pPr marL="0" indent="0" algn="ctr">
               <a:buNone/>
-              <a:defRPr sz="2400"/>
+              <a:defRPr sz="2000">
+                <a:solidFill>
+                  <a:schemeClr val="tx1">
+                    <a:lumMod val="75000"/>
+                    <a:lumOff val="25000"/>
+                  </a:schemeClr>
+                </a:solidFill>
+              </a:defRPr>
             </a:lvl1pPr>
             <a:lvl2pPr marL="457200" indent="0" algn="ctr">
               <a:buNone/>
@@ -239,19 +259,13 @@
               <a:rPr lang="en-US"/>
               <a:t>Click to edit Master subtitle style</a:t>
             </a:r>
-            <a:endParaRPr lang="en-TR"/>
-          </a:p>
-        </p:txBody>
-      </p:sp>
-      <p:sp>
-        <p:nvSpPr>
-          <p:cNvPr id="4" name="Date Placeholder 3">
-            <a:extLst>
-              <a:ext uri="{FF2B5EF4-FFF2-40B4-BE49-F238E27FC236}">
-                <a16:creationId xmlns:a16="http://schemas.microsoft.com/office/drawing/2014/main" id="{190D6A6B-CCAD-874E-988B-4D2206B36C6D}"/>
-              </a:ext>
-            </a:extLst>
-          </p:cNvPr>
+            <a:endParaRPr lang="en-US" dirty="0"/>
+          </a:p>
+        </p:txBody>
+      </p:sp>
+      <p:sp>
+        <p:nvSpPr>
+          <p:cNvPr id="7" name="Date Placeholder 6"/>
           <p:cNvSpPr>
             <a:spLocks noGrp="1"/>
           </p:cNvSpPr>
@@ -274,13 +288,7 @@
       </p:sp>
       <p:sp>
         <p:nvSpPr>
-          <p:cNvPr id="5" name="Footer Placeholder 4">
-            <a:extLst>
-              <a:ext uri="{FF2B5EF4-FFF2-40B4-BE49-F238E27FC236}">
-                <a16:creationId xmlns:a16="http://schemas.microsoft.com/office/drawing/2014/main" id="{9639D054-6747-8F41-BCE9-A589E04D2456}"/>
-              </a:ext>
-            </a:extLst>
-          </p:cNvPr>
+          <p:cNvPr id="8" name="Footer Placeholder 7"/>
           <p:cNvSpPr>
             <a:spLocks noGrp="1"/>
           </p:cNvSpPr>
@@ -299,13 +307,7 @@
       </p:sp>
       <p:sp>
         <p:nvSpPr>
-          <p:cNvPr id="6" name="Slide Number Placeholder 5">
-            <a:extLst>
-              <a:ext uri="{FF2B5EF4-FFF2-40B4-BE49-F238E27FC236}">
-                <a16:creationId xmlns:a16="http://schemas.microsoft.com/office/drawing/2014/main" id="{DE3A1B12-19A1-7D48-A461-AE48CBE87179}"/>
-              </a:ext>
-            </a:extLst>
-          </p:cNvPr>
+          <p:cNvPr id="9" name="Slide Number Placeholder 8"/>
           <p:cNvSpPr>
             <a:spLocks noGrp="1"/>
           </p:cNvSpPr>
@@ -329,12 +331,12 @@
     </p:spTree>
     <p:extLst>
       <p:ext uri="{BB962C8B-B14F-4D97-AF65-F5344CB8AC3E}">
-        <p14:creationId xmlns:p14="http://schemas.microsoft.com/office/powerpoint/2010/main" val="3065802746"/>
+        <p14:creationId xmlns:p14="http://schemas.microsoft.com/office/powerpoint/2010/main" val="3172417389"/>
       </p:ext>
     </p:extLst>
   </p:cSld>
   <p:clrMapOvr>
-    <a:masterClrMapping/>
+    <a:overrideClrMapping bg1="dk1" tx1="lt1" bg2="dk2" tx2="lt2" accent1="accent1" accent2="accent2" accent3="accent3" accent4="accent4" accent5="accent5" accent6="accent6" hlink="hlink" folHlink="folHlink"/>
   </p:clrMapOvr>
 </p:sldLayout>
 </file>
@@ -358,13 +360,7 @@
       </p:grpSpPr>
       <p:sp>
         <p:nvSpPr>
-          <p:cNvPr id="2" name="Title 1">
-            <a:extLst>
-              <a:ext uri="{FF2B5EF4-FFF2-40B4-BE49-F238E27FC236}">
-                <a16:creationId xmlns:a16="http://schemas.microsoft.com/office/drawing/2014/main" id="{0100B2D2-86BF-7540-A5A3-A54D8FA6DE37}"/>
-              </a:ext>
-            </a:extLst>
-          </p:cNvPr>
+          <p:cNvPr id="2" name="Title 1"/>
           <p:cNvSpPr>
             <a:spLocks noGrp="1"/>
           </p:cNvSpPr>
@@ -381,19 +377,13 @@
               <a:rPr lang="en-US"/>
               <a:t>Click to edit Master title style</a:t>
             </a:r>
-            <a:endParaRPr lang="en-TR"/>
-          </a:p>
-        </p:txBody>
-      </p:sp>
-      <p:sp>
-        <p:nvSpPr>
-          <p:cNvPr id="3" name="Vertical Text Placeholder 2">
-            <a:extLst>
-              <a:ext uri="{FF2B5EF4-FFF2-40B4-BE49-F238E27FC236}">
-                <a16:creationId xmlns:a16="http://schemas.microsoft.com/office/drawing/2014/main" id="{5A824755-41AC-AA4A-86D4-842C536D3D97}"/>
-              </a:ext>
-            </a:extLst>
-          </p:cNvPr>
+            <a:endParaRPr lang="en-US" dirty="0"/>
+          </a:p>
+        </p:txBody>
+      </p:sp>
+      <p:sp>
+        <p:nvSpPr>
+          <p:cNvPr id="3" name="Vertical Text Placeholder 2"/>
           <p:cNvSpPr>
             <a:spLocks noGrp="1"/>
           </p:cNvSpPr>
@@ -439,19 +429,13 @@
               <a:rPr lang="en-US"/>
               <a:t>Fifth level</a:t>
             </a:r>
-            <a:endParaRPr lang="en-TR"/>
-          </a:p>
-        </p:txBody>
-      </p:sp>
-      <p:sp>
-        <p:nvSpPr>
-          <p:cNvPr id="4" name="Date Placeholder 3">
-            <a:extLst>
-              <a:ext uri="{FF2B5EF4-FFF2-40B4-BE49-F238E27FC236}">
-                <a16:creationId xmlns:a16="http://schemas.microsoft.com/office/drawing/2014/main" id="{28CAB4C2-5AD8-364C-A635-346D6B20BE1E}"/>
-              </a:ext>
-            </a:extLst>
-          </p:cNvPr>
+            <a:endParaRPr lang="en-US" dirty="0"/>
+          </a:p>
+        </p:txBody>
+      </p:sp>
+      <p:sp>
+        <p:nvSpPr>
+          <p:cNvPr id="4" name="Date Placeholder 3"/>
           <p:cNvSpPr>
             <a:spLocks noGrp="1"/>
           </p:cNvSpPr>
@@ -474,13 +458,7 @@
       </p:sp>
       <p:sp>
         <p:nvSpPr>
-          <p:cNvPr id="5" name="Footer Placeholder 4">
-            <a:extLst>
-              <a:ext uri="{FF2B5EF4-FFF2-40B4-BE49-F238E27FC236}">
-                <a16:creationId xmlns:a16="http://schemas.microsoft.com/office/drawing/2014/main" id="{DCE20C37-4AD4-4F46-98E1-E1517C133125}"/>
-              </a:ext>
-            </a:extLst>
-          </p:cNvPr>
+          <p:cNvPr id="5" name="Footer Placeholder 4"/>
           <p:cNvSpPr>
             <a:spLocks noGrp="1"/>
           </p:cNvSpPr>
@@ -499,13 +477,7 @@
       </p:sp>
       <p:sp>
         <p:nvSpPr>
-          <p:cNvPr id="6" name="Slide Number Placeholder 5">
-            <a:extLst>
-              <a:ext uri="{FF2B5EF4-FFF2-40B4-BE49-F238E27FC236}">
-                <a16:creationId xmlns:a16="http://schemas.microsoft.com/office/drawing/2014/main" id="{62C181D2-0561-4642-845F-F4838C1D8F00}"/>
-              </a:ext>
-            </a:extLst>
-          </p:cNvPr>
+          <p:cNvPr id="6" name="Slide Number Placeholder 5"/>
           <p:cNvSpPr>
             <a:spLocks noGrp="1"/>
           </p:cNvSpPr>
@@ -529,7 +501,7 @@
     </p:spTree>
     <p:extLst>
       <p:ext uri="{BB962C8B-B14F-4D97-AF65-F5344CB8AC3E}">
-        <p14:creationId xmlns:p14="http://schemas.microsoft.com/office/powerpoint/2010/main" val="2254003852"/>
+        <p14:creationId xmlns:p14="http://schemas.microsoft.com/office/powerpoint/2010/main" val="2920694365"/>
       </p:ext>
     </p:extLst>
   </p:cSld>
@@ -558,13 +530,7 @@
       </p:grpSpPr>
       <p:sp>
         <p:nvSpPr>
-          <p:cNvPr id="2" name="Vertical Title 1">
-            <a:extLst>
-              <a:ext uri="{FF2B5EF4-FFF2-40B4-BE49-F238E27FC236}">
-                <a16:creationId xmlns:a16="http://schemas.microsoft.com/office/drawing/2014/main" id="{5CF17751-DE69-214D-B668-4AE53F3E2D87}"/>
-              </a:ext>
-            </a:extLst>
-          </p:cNvPr>
+          <p:cNvPr id="2" name="Vertical Title 1"/>
           <p:cNvSpPr>
             <a:spLocks noGrp="1"/>
           </p:cNvSpPr>
@@ -574,8 +540,8 @@
         </p:nvSpPr>
         <p:spPr>
           <a:xfrm>
-            <a:off x="8724900" y="365125"/>
-            <a:ext cx="2628900" cy="5811838"/>
+            <a:off x="8653112" y="937260"/>
+            <a:ext cx="1298608" cy="4983480"/>
           </a:xfrm>
         </p:spPr>
         <p:txBody>
@@ -586,19 +552,13 @@
               <a:rPr lang="en-US"/>
               <a:t>Click to edit Master title style</a:t>
             </a:r>
-            <a:endParaRPr lang="en-TR"/>
-          </a:p>
-        </p:txBody>
-      </p:sp>
-      <p:sp>
-        <p:nvSpPr>
-          <p:cNvPr id="3" name="Vertical Text Placeholder 2">
-            <a:extLst>
-              <a:ext uri="{FF2B5EF4-FFF2-40B4-BE49-F238E27FC236}">
-                <a16:creationId xmlns:a16="http://schemas.microsoft.com/office/drawing/2014/main" id="{9D976629-BD11-5A4D-9378-F23EC6A4369A}"/>
-              </a:ext>
-            </a:extLst>
-          </p:cNvPr>
+            <a:endParaRPr lang="en-US" dirty="0"/>
+          </a:p>
+        </p:txBody>
+      </p:sp>
+      <p:sp>
+        <p:nvSpPr>
+          <p:cNvPr id="3" name="Vertical Text Placeholder 2"/>
           <p:cNvSpPr>
             <a:spLocks noGrp="1"/>
           </p:cNvSpPr>
@@ -608,8 +568,8 @@
         </p:nvSpPr>
         <p:spPr>
           <a:xfrm>
-            <a:off x="838200" y="365125"/>
-            <a:ext cx="7734300" cy="5811838"/>
+            <a:off x="2231136" y="937260"/>
+            <a:ext cx="6198489" cy="4983480"/>
           </a:xfrm>
         </p:spPr>
         <p:txBody>
@@ -649,19 +609,13 @@
               <a:rPr lang="en-US"/>
               <a:t>Fifth level</a:t>
             </a:r>
-            <a:endParaRPr lang="en-TR"/>
-          </a:p>
-        </p:txBody>
-      </p:sp>
-      <p:sp>
-        <p:nvSpPr>
-          <p:cNvPr id="4" name="Date Placeholder 3">
-            <a:extLst>
-              <a:ext uri="{FF2B5EF4-FFF2-40B4-BE49-F238E27FC236}">
-                <a16:creationId xmlns:a16="http://schemas.microsoft.com/office/drawing/2014/main" id="{56D68690-DA71-2543-B348-A75020900EF7}"/>
-              </a:ext>
-            </a:extLst>
-          </p:cNvPr>
+            <a:endParaRPr lang="en-US" dirty="0"/>
+          </a:p>
+        </p:txBody>
+      </p:sp>
+      <p:sp>
+        <p:nvSpPr>
+          <p:cNvPr id="4" name="Date Placeholder 3"/>
           <p:cNvSpPr>
             <a:spLocks noGrp="1"/>
           </p:cNvSpPr>
@@ -684,13 +638,7 @@
       </p:sp>
       <p:sp>
         <p:nvSpPr>
-          <p:cNvPr id="5" name="Footer Placeholder 4">
-            <a:extLst>
-              <a:ext uri="{FF2B5EF4-FFF2-40B4-BE49-F238E27FC236}">
-                <a16:creationId xmlns:a16="http://schemas.microsoft.com/office/drawing/2014/main" id="{7D594117-1AA5-5F48-AFCD-8FAB38963087}"/>
-              </a:ext>
-            </a:extLst>
-          </p:cNvPr>
+          <p:cNvPr id="5" name="Footer Placeholder 4"/>
           <p:cNvSpPr>
             <a:spLocks noGrp="1"/>
           </p:cNvSpPr>
@@ -709,13 +657,7 @@
       </p:sp>
       <p:sp>
         <p:nvSpPr>
-          <p:cNvPr id="6" name="Slide Number Placeholder 5">
-            <a:extLst>
-              <a:ext uri="{FF2B5EF4-FFF2-40B4-BE49-F238E27FC236}">
-                <a16:creationId xmlns:a16="http://schemas.microsoft.com/office/drawing/2014/main" id="{1D1DA0D0-107A-5244-AE2B-3607AEBA9BE8}"/>
-              </a:ext>
-            </a:extLst>
-          </p:cNvPr>
+          <p:cNvPr id="6" name="Slide Number Placeholder 5"/>
           <p:cNvSpPr>
             <a:spLocks noGrp="1"/>
           </p:cNvSpPr>
@@ -739,7 +681,7 @@
     </p:spTree>
     <p:extLst>
       <p:ext uri="{BB962C8B-B14F-4D97-AF65-F5344CB8AC3E}">
-        <p14:creationId xmlns:p14="http://schemas.microsoft.com/office/powerpoint/2010/main" val="2063013985"/>
+        <p14:creationId xmlns:p14="http://schemas.microsoft.com/office/powerpoint/2010/main" val="4272444496"/>
       </p:ext>
     </p:extLst>
   </p:cSld>
@@ -768,13 +710,7 @@
       </p:grpSpPr>
       <p:sp>
         <p:nvSpPr>
-          <p:cNvPr id="2" name="Title 1">
-            <a:extLst>
-              <a:ext uri="{FF2B5EF4-FFF2-40B4-BE49-F238E27FC236}">
-                <a16:creationId xmlns:a16="http://schemas.microsoft.com/office/drawing/2014/main" id="{0A906BDC-4E0E-324D-9829-515159C56293}"/>
-              </a:ext>
-            </a:extLst>
-          </p:cNvPr>
+          <p:cNvPr id="2" name="Title 1"/>
           <p:cNvSpPr>
             <a:spLocks noGrp="1"/>
           </p:cNvSpPr>
@@ -791,19 +727,13 @@
               <a:rPr lang="en-US"/>
               <a:t>Click to edit Master title style</a:t>
             </a:r>
-            <a:endParaRPr lang="en-TR"/>
-          </a:p>
-        </p:txBody>
-      </p:sp>
-      <p:sp>
-        <p:nvSpPr>
-          <p:cNvPr id="3" name="Content Placeholder 2">
-            <a:extLst>
-              <a:ext uri="{FF2B5EF4-FFF2-40B4-BE49-F238E27FC236}">
-                <a16:creationId xmlns:a16="http://schemas.microsoft.com/office/drawing/2014/main" id="{2FE5771A-F5E0-A246-BB94-3CF3F7A2337C}"/>
-              </a:ext>
-            </a:extLst>
-          </p:cNvPr>
+            <a:endParaRPr lang="en-US" dirty="0"/>
+          </a:p>
+        </p:txBody>
+      </p:sp>
+      <p:sp>
+        <p:nvSpPr>
+          <p:cNvPr id="3" name="Content Placeholder 2"/>
           <p:cNvSpPr>
             <a:spLocks noGrp="1"/>
           </p:cNvSpPr>
@@ -849,19 +779,13 @@
               <a:rPr lang="en-US"/>
               <a:t>Fifth level</a:t>
             </a:r>
-            <a:endParaRPr lang="en-TR"/>
-          </a:p>
-        </p:txBody>
-      </p:sp>
-      <p:sp>
-        <p:nvSpPr>
-          <p:cNvPr id="4" name="Date Placeholder 3">
-            <a:extLst>
-              <a:ext uri="{FF2B5EF4-FFF2-40B4-BE49-F238E27FC236}">
-                <a16:creationId xmlns:a16="http://schemas.microsoft.com/office/drawing/2014/main" id="{365C9CD0-D776-3446-9D7B-F2C5F5C58EC1}"/>
-              </a:ext>
-            </a:extLst>
-          </p:cNvPr>
+            <a:endParaRPr lang="en-US" dirty="0"/>
+          </a:p>
+        </p:txBody>
+      </p:sp>
+      <p:sp>
+        <p:nvSpPr>
+          <p:cNvPr id="7" name="Date Placeholder 6"/>
           <p:cNvSpPr>
             <a:spLocks noGrp="1"/>
           </p:cNvSpPr>
@@ -884,13 +808,7 @@
       </p:sp>
       <p:sp>
         <p:nvSpPr>
-          <p:cNvPr id="5" name="Footer Placeholder 4">
-            <a:extLst>
-              <a:ext uri="{FF2B5EF4-FFF2-40B4-BE49-F238E27FC236}">
-                <a16:creationId xmlns:a16="http://schemas.microsoft.com/office/drawing/2014/main" id="{31537592-AB74-1B48-A27D-9A86FE2655B6}"/>
-              </a:ext>
-            </a:extLst>
-          </p:cNvPr>
+          <p:cNvPr id="8" name="Footer Placeholder 7"/>
           <p:cNvSpPr>
             <a:spLocks noGrp="1"/>
           </p:cNvSpPr>
@@ -909,13 +827,7 @@
       </p:sp>
       <p:sp>
         <p:nvSpPr>
-          <p:cNvPr id="6" name="Slide Number Placeholder 5">
-            <a:extLst>
-              <a:ext uri="{FF2B5EF4-FFF2-40B4-BE49-F238E27FC236}">
-                <a16:creationId xmlns:a16="http://schemas.microsoft.com/office/drawing/2014/main" id="{AB14B710-6EAB-094C-849B-4893BC16CAF4}"/>
-              </a:ext>
-            </a:extLst>
-          </p:cNvPr>
+          <p:cNvPr id="9" name="Slide Number Placeholder 8"/>
           <p:cNvSpPr>
             <a:spLocks noGrp="1"/>
           </p:cNvSpPr>
@@ -939,7 +851,7 @@
     </p:spTree>
     <p:extLst>
       <p:ext uri="{BB962C8B-B14F-4D97-AF65-F5344CB8AC3E}">
-        <p14:creationId xmlns:p14="http://schemas.microsoft.com/office/powerpoint/2010/main" val="1339948319"/>
+        <p14:creationId xmlns:p14="http://schemas.microsoft.com/office/powerpoint/2010/main" val="1702150513"/>
       </p:ext>
     </p:extLst>
   </p:cSld>
@@ -952,6 +864,14 @@
 <file path=ppt/slideLayouts/slideLayout3.xml><?xml version="1.0" encoding="utf-8"?>
 <p:sldLayout xmlns:a="http://schemas.openxmlformats.org/drawingml/2006/main" xmlns:r="http://schemas.openxmlformats.org/officeDocument/2006/relationships" xmlns:p="http://schemas.openxmlformats.org/presentationml/2006/main" type="secHead" preserve="1">
   <p:cSld name="Section Header">
+    <p:bg>
+      <p:bgPr>
+        <a:solidFill>
+          <a:schemeClr val="accent1"/>
+        </a:solidFill>
+        <a:effectLst/>
+      </p:bgPr>
+    </p:bg>
     <p:spTree>
       <p:nvGrpSpPr>
         <p:cNvPr id="1" name=""/>
@@ -968,74 +888,76 @@
       </p:grpSpPr>
       <p:sp>
         <p:nvSpPr>
-          <p:cNvPr id="2" name="Title 1">
-            <a:extLst>
-              <a:ext uri="{FF2B5EF4-FFF2-40B4-BE49-F238E27FC236}">
-                <a16:creationId xmlns:a16="http://schemas.microsoft.com/office/drawing/2014/main" id="{B47DB166-BCBD-EF4E-8ED7-37C593BE8A40}"/>
-              </a:ext>
-            </a:extLst>
-          </p:cNvPr>
+          <p:cNvPr id="2" name="Title 1"/>
           <p:cNvSpPr>
             <a:spLocks noGrp="1"/>
           </p:cNvSpPr>
           <p:nvPr>
             <p:ph type="title"/>
+          </p:nvPr>
+        </p:nvSpPr>
+        <p:spPr bwMode="blackWhite">
+          <a:xfrm>
+            <a:off x="1600200" y="2386744"/>
+            <a:ext cx="8991600" cy="1645920"/>
+          </a:xfrm>
+          <a:solidFill>
+            <a:srgbClr val="FFFFFF"/>
+          </a:solidFill>
+          <a:ln w="38100">
+            <a:solidFill>
+              <a:srgbClr val="404040"/>
+            </a:solidFill>
+          </a:ln>
+        </p:spPr>
+        <p:txBody>
+          <a:bodyPr lIns="274320" rIns="274320" anchor="ctr" anchorCtr="1">
+            <a:normAutofit/>
+          </a:bodyPr>
+          <a:lstStyle>
+            <a:lvl1pPr>
+              <a:defRPr sz="3800">
+                <a:solidFill>
+                  <a:srgbClr val="262626"/>
+                </a:solidFill>
+              </a:defRPr>
+            </a:lvl1pPr>
+          </a:lstStyle>
+          <a:p>
+            <a:r>
+              <a:rPr lang="en-US"/>
+              <a:t>Click to edit Master title style</a:t>
+            </a:r>
+            <a:endParaRPr lang="en-US" dirty="0"/>
+          </a:p>
+        </p:txBody>
+      </p:sp>
+      <p:sp>
+        <p:nvSpPr>
+          <p:cNvPr id="3" name="Text Placeholder 2"/>
+          <p:cNvSpPr>
+            <a:spLocks noGrp="1"/>
+          </p:cNvSpPr>
+          <p:nvPr>
+            <p:ph type="body" idx="1"/>
           </p:nvPr>
         </p:nvSpPr>
         <p:spPr>
           <a:xfrm>
-            <a:off x="831850" y="1709738"/>
-            <a:ext cx="10515600" cy="2852737"/>
+            <a:off x="2695194" y="4352465"/>
+            <a:ext cx="6801612" cy="1265082"/>
           </a:xfrm>
         </p:spPr>
         <p:txBody>
-          <a:bodyPr anchor="b"/>
-          <a:lstStyle>
-            <a:lvl1pPr>
-              <a:defRPr sz="6000"/>
-            </a:lvl1pPr>
-          </a:lstStyle>
-          <a:p>
-            <a:r>
-              <a:rPr lang="en-US"/>
-              <a:t>Click to edit Master title style</a:t>
-            </a:r>
-            <a:endParaRPr lang="en-TR"/>
-          </a:p>
-        </p:txBody>
-      </p:sp>
-      <p:sp>
-        <p:nvSpPr>
-          <p:cNvPr id="3" name="Text Placeholder 2">
-            <a:extLst>
-              <a:ext uri="{FF2B5EF4-FFF2-40B4-BE49-F238E27FC236}">
-                <a16:creationId xmlns:a16="http://schemas.microsoft.com/office/drawing/2014/main" id="{29322396-261C-8747-984B-4C78E181516D}"/>
-              </a:ext>
-            </a:extLst>
-          </p:cNvPr>
-          <p:cNvSpPr>
-            <a:spLocks noGrp="1"/>
-          </p:cNvSpPr>
-          <p:nvPr>
-            <p:ph type="body" idx="1"/>
-          </p:nvPr>
-        </p:nvSpPr>
-        <p:spPr>
-          <a:xfrm>
-            <a:off x="831850" y="4589463"/>
-            <a:ext cx="10515600" cy="1500187"/>
-          </a:xfrm>
-        </p:spPr>
-        <p:txBody>
-          <a:bodyPr/>
+          <a:bodyPr anchor="t" anchorCtr="1">
+            <a:normAutofit/>
+          </a:bodyPr>
           <a:lstStyle>
             <a:lvl1pPr marL="0" indent="0">
               <a:buNone/>
-              <a:defRPr sz="2400">
+              <a:defRPr sz="2000">
                 <a:solidFill>
-                  <a:schemeClr val="tx1">
-                    <a:tint val="75000"/>
-                  </a:schemeClr>
+                  <a:schemeClr val="tx1"/>
                 </a:solidFill>
               </a:defRPr>
             </a:lvl1pPr>
@@ -1131,13 +1053,7 @@
       </p:sp>
       <p:sp>
         <p:nvSpPr>
-          <p:cNvPr id="4" name="Date Placeholder 3">
-            <a:extLst>
-              <a:ext uri="{FF2B5EF4-FFF2-40B4-BE49-F238E27FC236}">
-                <a16:creationId xmlns:a16="http://schemas.microsoft.com/office/drawing/2014/main" id="{F25343BA-28BB-FB44-9AFB-332E93B1A644}"/>
-              </a:ext>
-            </a:extLst>
-          </p:cNvPr>
+          <p:cNvPr id="7" name="Date Placeholder 6"/>
           <p:cNvSpPr>
             <a:spLocks noGrp="1"/>
           </p:cNvSpPr>
@@ -1160,13 +1076,7 @@
       </p:sp>
       <p:sp>
         <p:nvSpPr>
-          <p:cNvPr id="5" name="Footer Placeholder 4">
-            <a:extLst>
-              <a:ext uri="{FF2B5EF4-FFF2-40B4-BE49-F238E27FC236}">
-                <a16:creationId xmlns:a16="http://schemas.microsoft.com/office/drawing/2014/main" id="{F04D46F6-D4EB-0344-ACC7-6F9D25F0A77D}"/>
-              </a:ext>
-            </a:extLst>
-          </p:cNvPr>
+          <p:cNvPr id="8" name="Footer Placeholder 7"/>
           <p:cNvSpPr>
             <a:spLocks noGrp="1"/>
           </p:cNvSpPr>
@@ -1185,13 +1095,7 @@
       </p:sp>
       <p:sp>
         <p:nvSpPr>
-          <p:cNvPr id="6" name="Slide Number Placeholder 5">
-            <a:extLst>
-              <a:ext uri="{FF2B5EF4-FFF2-40B4-BE49-F238E27FC236}">
-                <a16:creationId xmlns:a16="http://schemas.microsoft.com/office/drawing/2014/main" id="{722D6D51-9140-194D-8D19-763655A27A34}"/>
-              </a:ext>
-            </a:extLst>
-          </p:cNvPr>
+          <p:cNvPr id="9" name="Slide Number Placeholder 8"/>
           <p:cNvSpPr>
             <a:spLocks noGrp="1"/>
           </p:cNvSpPr>
@@ -1215,12 +1119,12 @@
     </p:spTree>
     <p:extLst>
       <p:ext uri="{BB962C8B-B14F-4D97-AF65-F5344CB8AC3E}">
-        <p14:creationId xmlns:p14="http://schemas.microsoft.com/office/powerpoint/2010/main" val="1897285213"/>
+        <p14:creationId xmlns:p14="http://schemas.microsoft.com/office/powerpoint/2010/main" val="3606099040"/>
       </p:ext>
     </p:extLst>
   </p:cSld>
   <p:clrMapOvr>
-    <a:masterClrMapping/>
+    <a:overrideClrMapping bg1="dk1" tx1="lt1" bg2="dk2" tx2="lt2" accent1="accent1" accent2="accent2" accent3="accent3" accent4="accent4" accent5="accent5" accent6="accent6" hlink="hlink" folHlink="folHlink"/>
   </p:clrMapOvr>
 </p:sldLayout>
 </file>
@@ -1244,13 +1148,7 @@
       </p:grpSpPr>
       <p:sp>
         <p:nvSpPr>
-          <p:cNvPr id="2" name="Title 1">
-            <a:extLst>
-              <a:ext uri="{FF2B5EF4-FFF2-40B4-BE49-F238E27FC236}">
-                <a16:creationId xmlns:a16="http://schemas.microsoft.com/office/drawing/2014/main" id="{AB8A3867-6D6E-B94C-95F7-60C0BD24A32C}"/>
-              </a:ext>
-            </a:extLst>
-          </p:cNvPr>
+          <p:cNvPr id="2" name="Title 1"/>
           <p:cNvSpPr>
             <a:spLocks noGrp="1"/>
           </p:cNvSpPr>
@@ -1267,19 +1165,13 @@
               <a:rPr lang="en-US"/>
               <a:t>Click to edit Master title style</a:t>
             </a:r>
-            <a:endParaRPr lang="en-TR"/>
-          </a:p>
-        </p:txBody>
-      </p:sp>
-      <p:sp>
-        <p:nvSpPr>
-          <p:cNvPr id="3" name="Content Placeholder 2">
-            <a:extLst>
-              <a:ext uri="{FF2B5EF4-FFF2-40B4-BE49-F238E27FC236}">
-                <a16:creationId xmlns:a16="http://schemas.microsoft.com/office/drawing/2014/main" id="{F0845674-1035-9944-8659-DF048CC5F96A}"/>
-              </a:ext>
-            </a:extLst>
-          </p:cNvPr>
+            <a:endParaRPr lang="en-US" dirty="0"/>
+          </a:p>
+        </p:txBody>
+      </p:sp>
+      <p:sp>
+        <p:nvSpPr>
+          <p:cNvPr id="3" name="Content Placeholder 2"/>
           <p:cNvSpPr>
             <a:spLocks noGrp="1"/>
           </p:cNvSpPr>
@@ -1289,8 +1181,8 @@
         </p:nvSpPr>
         <p:spPr>
           <a:xfrm>
-            <a:off x="838200" y="1825625"/>
-            <a:ext cx="5181600" cy="4351338"/>
+            <a:off x="1581912" y="2638044"/>
+            <a:ext cx="4271771" cy="3101982"/>
           </a:xfrm>
         </p:spPr>
         <p:txBody>
@@ -1330,19 +1222,13 @@
               <a:rPr lang="en-US"/>
               <a:t>Fifth level</a:t>
             </a:r>
-            <a:endParaRPr lang="en-TR"/>
-          </a:p>
-        </p:txBody>
-      </p:sp>
-      <p:sp>
-        <p:nvSpPr>
-          <p:cNvPr id="4" name="Content Placeholder 3">
-            <a:extLst>
-              <a:ext uri="{FF2B5EF4-FFF2-40B4-BE49-F238E27FC236}">
-                <a16:creationId xmlns:a16="http://schemas.microsoft.com/office/drawing/2014/main" id="{1ECCEB54-E341-8149-BE1C-341714D5C2DF}"/>
-              </a:ext>
-            </a:extLst>
-          </p:cNvPr>
+            <a:endParaRPr lang="en-US" dirty="0"/>
+          </a:p>
+        </p:txBody>
+      </p:sp>
+      <p:sp>
+        <p:nvSpPr>
+          <p:cNvPr id="4" name="Content Placeholder 3"/>
           <p:cNvSpPr>
             <a:spLocks noGrp="1"/>
           </p:cNvSpPr>
@@ -1352,8 +1238,8 @@
         </p:nvSpPr>
         <p:spPr>
           <a:xfrm>
-            <a:off x="6172200" y="1825625"/>
-            <a:ext cx="5181600" cy="4351338"/>
+            <a:off x="6338315" y="2638044"/>
+            <a:ext cx="4270247" cy="3101982"/>
           </a:xfrm>
         </p:spPr>
         <p:txBody>
@@ -1393,19 +1279,13 @@
               <a:rPr lang="en-US"/>
               <a:t>Fifth level</a:t>
             </a:r>
-            <a:endParaRPr lang="en-TR"/>
-          </a:p>
-        </p:txBody>
-      </p:sp>
-      <p:sp>
-        <p:nvSpPr>
-          <p:cNvPr id="5" name="Date Placeholder 4">
-            <a:extLst>
-              <a:ext uri="{FF2B5EF4-FFF2-40B4-BE49-F238E27FC236}">
-                <a16:creationId xmlns:a16="http://schemas.microsoft.com/office/drawing/2014/main" id="{E5F6B2DA-7D2F-BF43-A13E-F1356716A9D5}"/>
-              </a:ext>
-            </a:extLst>
-          </p:cNvPr>
+            <a:endParaRPr lang="en-US" dirty="0"/>
+          </a:p>
+        </p:txBody>
+      </p:sp>
+      <p:sp>
+        <p:nvSpPr>
+          <p:cNvPr id="8" name="Date Placeholder 7"/>
           <p:cNvSpPr>
             <a:spLocks noGrp="1"/>
           </p:cNvSpPr>
@@ -1428,13 +1308,7 @@
       </p:sp>
       <p:sp>
         <p:nvSpPr>
-          <p:cNvPr id="6" name="Footer Placeholder 5">
-            <a:extLst>
-              <a:ext uri="{FF2B5EF4-FFF2-40B4-BE49-F238E27FC236}">
-                <a16:creationId xmlns:a16="http://schemas.microsoft.com/office/drawing/2014/main" id="{431451F2-5FCA-3F45-8CFB-98467F4308CA}"/>
-              </a:ext>
-            </a:extLst>
-          </p:cNvPr>
+          <p:cNvPr id="9" name="Footer Placeholder 8"/>
           <p:cNvSpPr>
             <a:spLocks noGrp="1"/>
           </p:cNvSpPr>
@@ -1453,13 +1327,7 @@
       </p:sp>
       <p:sp>
         <p:nvSpPr>
-          <p:cNvPr id="7" name="Slide Number Placeholder 6">
-            <a:extLst>
-              <a:ext uri="{FF2B5EF4-FFF2-40B4-BE49-F238E27FC236}">
-                <a16:creationId xmlns:a16="http://schemas.microsoft.com/office/drawing/2014/main" id="{31A4C0BE-45CF-154D-91F8-BD19739BC4C0}"/>
-              </a:ext>
-            </a:extLst>
-          </p:cNvPr>
+          <p:cNvPr id="10" name="Slide Number Placeholder 9"/>
           <p:cNvSpPr>
             <a:spLocks noGrp="1"/>
           </p:cNvSpPr>
@@ -1483,7 +1351,7 @@
     </p:spTree>
     <p:extLst>
       <p:ext uri="{BB962C8B-B14F-4D97-AF65-F5344CB8AC3E}">
-        <p14:creationId xmlns:p14="http://schemas.microsoft.com/office/powerpoint/2010/main" val="3214296917"/>
+        <p14:creationId xmlns:p14="http://schemas.microsoft.com/office/powerpoint/2010/main" val="1129160367"/>
       </p:ext>
     </p:extLst>
   </p:cSld>
@@ -1512,70 +1380,38 @@
       </p:grpSpPr>
       <p:sp>
         <p:nvSpPr>
-          <p:cNvPr id="2" name="Title 1">
-            <a:extLst>
-              <a:ext uri="{FF2B5EF4-FFF2-40B4-BE49-F238E27FC236}">
-                <a16:creationId xmlns:a16="http://schemas.microsoft.com/office/drawing/2014/main" id="{69162D4A-FF05-FE4F-BCB9-64A9471F8D14}"/>
-              </a:ext>
-            </a:extLst>
-          </p:cNvPr>
-          <p:cNvSpPr>
-            <a:spLocks noGrp="1"/>
-          </p:cNvSpPr>
-          <p:nvPr>
-            <p:ph type="title"/>
+          <p:cNvPr id="3" name="Text Placeholder 2"/>
+          <p:cNvSpPr>
+            <a:spLocks noGrp="1"/>
+          </p:cNvSpPr>
+          <p:nvPr>
+            <p:ph type="body" idx="1"/>
           </p:nvPr>
         </p:nvSpPr>
         <p:spPr>
           <a:xfrm>
-            <a:off x="839788" y="365125"/>
-            <a:ext cx="10515600" cy="1325563"/>
+            <a:off x="1583436" y="2313433"/>
+            <a:ext cx="4270248" cy="704087"/>
           </a:xfrm>
         </p:spPr>
         <p:txBody>
-          <a:bodyPr/>
-          <a:lstStyle/>
-          <a:p>
-            <a:r>
-              <a:rPr lang="en-US"/>
-              <a:t>Click to edit Master title style</a:t>
-            </a:r>
-            <a:endParaRPr lang="en-TR"/>
-          </a:p>
-        </p:txBody>
-      </p:sp>
-      <p:sp>
-        <p:nvSpPr>
-          <p:cNvPr id="3" name="Text Placeholder 2">
-            <a:extLst>
-              <a:ext uri="{FF2B5EF4-FFF2-40B4-BE49-F238E27FC236}">
-                <a16:creationId xmlns:a16="http://schemas.microsoft.com/office/drawing/2014/main" id="{EF1F377F-36FA-9D4F-8060-3FAFBD2E49C8}"/>
-              </a:ext>
-            </a:extLst>
-          </p:cNvPr>
-          <p:cNvSpPr>
-            <a:spLocks noGrp="1"/>
-          </p:cNvSpPr>
-          <p:nvPr>
-            <p:ph type="body" idx="1"/>
-          </p:nvPr>
-        </p:nvSpPr>
-        <p:spPr>
-          <a:xfrm>
-            <a:off x="839788" y="1681163"/>
-            <a:ext cx="5157787" cy="823912"/>
-          </a:xfrm>
-        </p:spPr>
-        <p:txBody>
-          <a:bodyPr anchor="b"/>
+          <a:bodyPr anchor="b" anchorCtr="1">
+            <a:normAutofit/>
+          </a:bodyPr>
           <a:lstStyle>
-            <a:lvl1pPr marL="0" indent="0">
-              <a:buNone/>
-              <a:defRPr sz="2400" b="1"/>
+            <a:lvl1pPr marL="0" indent="0" algn="ctr">
+              <a:buNone/>
+              <a:defRPr sz="1900" b="0" cap="all" spc="100" baseline="0">
+                <a:solidFill>
+                  <a:schemeClr val="accent2">
+                    <a:lumMod val="75000"/>
+                  </a:schemeClr>
+                </a:solidFill>
+              </a:defRPr>
             </a:lvl1pPr>
             <a:lvl2pPr marL="457200" indent="0">
               <a:buNone/>
-              <a:defRPr sz="2000" b="1"/>
+              <a:defRPr sz="1900" b="1"/>
             </a:lvl2pPr>
             <a:lvl3pPr marL="914400" indent="0">
               <a:buNone/>
@@ -1617,13 +1453,7 @@
       </p:sp>
       <p:sp>
         <p:nvSpPr>
-          <p:cNvPr id="4" name="Content Placeholder 3">
-            <a:extLst>
-              <a:ext uri="{FF2B5EF4-FFF2-40B4-BE49-F238E27FC236}">
-                <a16:creationId xmlns:a16="http://schemas.microsoft.com/office/drawing/2014/main" id="{FDCB00D7-E3FE-E543-979E-000C63C40452}"/>
-              </a:ext>
-            </a:extLst>
-          </p:cNvPr>
+          <p:cNvPr id="4" name="Content Placeholder 3"/>
           <p:cNvSpPr>
             <a:spLocks noGrp="1"/>
           </p:cNvSpPr>
@@ -1633,8 +1463,8 @@
         </p:nvSpPr>
         <p:spPr>
           <a:xfrm>
-            <a:off x="839788" y="2505075"/>
-            <a:ext cx="5157787" cy="3684588"/>
+            <a:off x="1583436" y="3143250"/>
+            <a:ext cx="4270248" cy="2596776"/>
           </a:xfrm>
         </p:spPr>
         <p:txBody>
@@ -1674,42 +1504,105 @@
               <a:rPr lang="en-US"/>
               <a:t>Fifth level</a:t>
             </a:r>
-            <a:endParaRPr lang="en-TR"/>
-          </a:p>
-        </p:txBody>
-      </p:sp>
-      <p:sp>
-        <p:nvSpPr>
-          <p:cNvPr id="5" name="Text Placeholder 4">
-            <a:extLst>
-              <a:ext uri="{FF2B5EF4-FFF2-40B4-BE49-F238E27FC236}">
-                <a16:creationId xmlns:a16="http://schemas.microsoft.com/office/drawing/2014/main" id="{5274D078-9F0B-0241-8964-F1028EB1989A}"/>
-              </a:ext>
-            </a:extLst>
-          </p:cNvPr>
-          <p:cNvSpPr>
-            <a:spLocks noGrp="1"/>
-          </p:cNvSpPr>
-          <p:nvPr>
-            <p:ph type="body" sz="quarter" idx="3"/>
+            <a:endParaRPr lang="en-US" dirty="0"/>
+          </a:p>
+        </p:txBody>
+      </p:sp>
+      <p:sp>
+        <p:nvSpPr>
+          <p:cNvPr id="6" name="Content Placeholder 5"/>
+          <p:cNvSpPr>
+            <a:spLocks noGrp="1"/>
+          </p:cNvSpPr>
+          <p:nvPr>
+            <p:ph sz="quarter" idx="4"/>
           </p:nvPr>
         </p:nvSpPr>
         <p:spPr>
           <a:xfrm>
-            <a:off x="6172200" y="1681163"/>
-            <a:ext cx="5183188" cy="823912"/>
+            <a:off x="6338316" y="3143250"/>
+            <a:ext cx="4253484" cy="2596776"/>
           </a:xfrm>
         </p:spPr>
         <p:txBody>
-          <a:bodyPr anchor="b"/>
+          <a:bodyPr/>
           <a:lstStyle>
-            <a:lvl1pPr marL="0" indent="0">
-              <a:buNone/>
-              <a:defRPr sz="2400" b="1"/>
+            <a:lvl5pPr>
+              <a:defRPr/>
+            </a:lvl5pPr>
+          </a:lstStyle>
+          <a:p>
+            <a:pPr lvl="0"/>
+            <a:r>
+              <a:rPr lang="en-US"/>
+              <a:t>Click to edit Master text styles</a:t>
+            </a:r>
+          </a:p>
+          <a:p>
+            <a:pPr lvl="1"/>
+            <a:r>
+              <a:rPr lang="en-US"/>
+              <a:t>Second level</a:t>
+            </a:r>
+          </a:p>
+          <a:p>
+            <a:pPr lvl="2"/>
+            <a:r>
+              <a:rPr lang="en-US"/>
+              <a:t>Third level</a:t>
+            </a:r>
+          </a:p>
+          <a:p>
+            <a:pPr lvl="3"/>
+            <a:r>
+              <a:rPr lang="en-US"/>
+              <a:t>Fourth level</a:t>
+            </a:r>
+          </a:p>
+          <a:p>
+            <a:pPr lvl="4"/>
+            <a:r>
+              <a:rPr lang="en-US"/>
+              <a:t>Fifth level</a:t>
+            </a:r>
+            <a:endParaRPr lang="en-US" dirty="0"/>
+          </a:p>
+        </p:txBody>
+      </p:sp>
+      <p:sp>
+        <p:nvSpPr>
+          <p:cNvPr id="11" name="Text Placeholder 4"/>
+          <p:cNvSpPr>
+            <a:spLocks noGrp="1"/>
+          </p:cNvSpPr>
+          <p:nvPr>
+            <p:ph type="body" sz="quarter" idx="13"/>
+          </p:nvPr>
+        </p:nvSpPr>
+        <p:spPr>
+          <a:xfrm>
+            <a:off x="6338316" y="2313433"/>
+            <a:ext cx="4270248" cy="704087"/>
+          </a:xfrm>
+        </p:spPr>
+        <p:txBody>
+          <a:bodyPr anchor="b" anchorCtr="1">
+            <a:normAutofit/>
+          </a:bodyPr>
+          <a:lstStyle>
+            <a:lvl1pPr marL="0" indent="0" algn="ctr">
+              <a:buNone/>
+              <a:defRPr sz="1900" b="0" cap="all" spc="100" baseline="0">
+                <a:solidFill>
+                  <a:schemeClr val="accent2">
+                    <a:lumMod val="75000"/>
+                  </a:schemeClr>
+                </a:solidFill>
+              </a:defRPr>
             </a:lvl1pPr>
             <a:lvl2pPr marL="457200" indent="0">
               <a:buNone/>
-              <a:defRPr sz="2000" b="1"/>
+              <a:defRPr sz="1900" b="1"/>
             </a:lvl2pPr>
             <a:lvl3pPr marL="914400" indent="0">
               <a:buNone/>
@@ -1751,76 +1644,7 @@
       </p:sp>
       <p:sp>
         <p:nvSpPr>
-          <p:cNvPr id="6" name="Content Placeholder 5">
-            <a:extLst>
-              <a:ext uri="{FF2B5EF4-FFF2-40B4-BE49-F238E27FC236}">
-                <a16:creationId xmlns:a16="http://schemas.microsoft.com/office/drawing/2014/main" id="{FEA0E1D9-45F2-AB44-B1F1-DD08D29AE935}"/>
-              </a:ext>
-            </a:extLst>
-          </p:cNvPr>
-          <p:cNvSpPr>
-            <a:spLocks noGrp="1"/>
-          </p:cNvSpPr>
-          <p:nvPr>
-            <p:ph sz="quarter" idx="4"/>
-          </p:nvPr>
-        </p:nvSpPr>
-        <p:spPr>
-          <a:xfrm>
-            <a:off x="6172200" y="2505075"/>
-            <a:ext cx="5183188" cy="3684588"/>
-          </a:xfrm>
-        </p:spPr>
-        <p:txBody>
-          <a:bodyPr/>
-          <a:lstStyle/>
-          <a:p>
-            <a:pPr lvl="0"/>
-            <a:r>
-              <a:rPr lang="en-US"/>
-              <a:t>Click to edit Master text styles</a:t>
-            </a:r>
-          </a:p>
-          <a:p>
-            <a:pPr lvl="1"/>
-            <a:r>
-              <a:rPr lang="en-US"/>
-              <a:t>Second level</a:t>
-            </a:r>
-          </a:p>
-          <a:p>
-            <a:pPr lvl="2"/>
-            <a:r>
-              <a:rPr lang="en-US"/>
-              <a:t>Third level</a:t>
-            </a:r>
-          </a:p>
-          <a:p>
-            <a:pPr lvl="3"/>
-            <a:r>
-              <a:rPr lang="en-US"/>
-              <a:t>Fourth level</a:t>
-            </a:r>
-          </a:p>
-          <a:p>
-            <a:pPr lvl="4"/>
-            <a:r>
-              <a:rPr lang="en-US"/>
-              <a:t>Fifth level</a:t>
-            </a:r>
-            <a:endParaRPr lang="en-TR"/>
-          </a:p>
-        </p:txBody>
-      </p:sp>
-      <p:sp>
-        <p:nvSpPr>
-          <p:cNvPr id="7" name="Date Placeholder 6">
-            <a:extLst>
-              <a:ext uri="{FF2B5EF4-FFF2-40B4-BE49-F238E27FC236}">
-                <a16:creationId xmlns:a16="http://schemas.microsoft.com/office/drawing/2014/main" id="{87500A75-884E-F847-9662-F138685EC157}"/>
-              </a:ext>
-            </a:extLst>
-          </p:cNvPr>
+          <p:cNvPr id="7" name="Date Placeholder 6"/>
           <p:cNvSpPr>
             <a:spLocks noGrp="1"/>
           </p:cNvSpPr>
@@ -1843,13 +1667,7 @@
       </p:sp>
       <p:sp>
         <p:nvSpPr>
-          <p:cNvPr id="8" name="Footer Placeholder 7">
-            <a:extLst>
-              <a:ext uri="{FF2B5EF4-FFF2-40B4-BE49-F238E27FC236}">
-                <a16:creationId xmlns:a16="http://schemas.microsoft.com/office/drawing/2014/main" id="{0CB5356B-6A14-5744-A1DC-FFF57FEF93B1}"/>
-              </a:ext>
-            </a:extLst>
-          </p:cNvPr>
+          <p:cNvPr id="8" name="Footer Placeholder 7"/>
           <p:cNvSpPr>
             <a:spLocks noGrp="1"/>
           </p:cNvSpPr>
@@ -1868,13 +1686,7 @@
       </p:sp>
       <p:sp>
         <p:nvSpPr>
-          <p:cNvPr id="9" name="Slide Number Placeholder 8">
-            <a:extLst>
-              <a:ext uri="{FF2B5EF4-FFF2-40B4-BE49-F238E27FC236}">
-                <a16:creationId xmlns:a16="http://schemas.microsoft.com/office/drawing/2014/main" id="{2847E21E-7315-B249-A2F0-E4099356EA2E}"/>
-              </a:ext>
-            </a:extLst>
-          </p:cNvPr>
+          <p:cNvPr id="9" name="Slide Number Placeholder 8"/>
           <p:cNvSpPr>
             <a:spLocks noGrp="1"/>
           </p:cNvSpPr>
@@ -1895,10 +1707,33 @@
           </a:p>
         </p:txBody>
       </p:sp>
+      <p:sp>
+        <p:nvSpPr>
+          <p:cNvPr id="10" name="Title 9"/>
+          <p:cNvSpPr>
+            <a:spLocks noGrp="1"/>
+          </p:cNvSpPr>
+          <p:nvPr>
+            <p:ph type="title"/>
+          </p:nvPr>
+        </p:nvSpPr>
+        <p:spPr/>
+        <p:txBody>
+          <a:bodyPr/>
+          <a:lstStyle/>
+          <a:p>
+            <a:r>
+              <a:rPr lang="en-US"/>
+              <a:t>Click to edit Master title style</a:t>
+            </a:r>
+            <a:endParaRPr lang="en-US" dirty="0"/>
+          </a:p>
+        </p:txBody>
+      </p:sp>
     </p:spTree>
     <p:extLst>
       <p:ext uri="{BB962C8B-B14F-4D97-AF65-F5344CB8AC3E}">
-        <p14:creationId xmlns:p14="http://schemas.microsoft.com/office/powerpoint/2010/main" val="4149042875"/>
+        <p14:creationId xmlns:p14="http://schemas.microsoft.com/office/powerpoint/2010/main" val="2260787369"/>
       </p:ext>
     </p:extLst>
   </p:cSld>
@@ -1927,13 +1762,7 @@
       </p:grpSpPr>
       <p:sp>
         <p:nvSpPr>
-          <p:cNvPr id="2" name="Title 1">
-            <a:extLst>
-              <a:ext uri="{FF2B5EF4-FFF2-40B4-BE49-F238E27FC236}">
-                <a16:creationId xmlns:a16="http://schemas.microsoft.com/office/drawing/2014/main" id="{EE14733A-6DC4-7146-8BBE-9AD05E316289}"/>
-              </a:ext>
-            </a:extLst>
-          </p:cNvPr>
+          <p:cNvPr id="2" name="Title 1"/>
           <p:cNvSpPr>
             <a:spLocks noGrp="1"/>
           </p:cNvSpPr>
@@ -1950,19 +1779,13 @@
               <a:rPr lang="en-US"/>
               <a:t>Click to edit Master title style</a:t>
             </a:r>
-            <a:endParaRPr lang="en-TR"/>
-          </a:p>
-        </p:txBody>
-      </p:sp>
-      <p:sp>
-        <p:nvSpPr>
-          <p:cNvPr id="3" name="Date Placeholder 2">
-            <a:extLst>
-              <a:ext uri="{FF2B5EF4-FFF2-40B4-BE49-F238E27FC236}">
-                <a16:creationId xmlns:a16="http://schemas.microsoft.com/office/drawing/2014/main" id="{5917068F-A0B8-FC43-9392-C7149CF6636A}"/>
-              </a:ext>
-            </a:extLst>
-          </p:cNvPr>
+            <a:endParaRPr lang="en-US" dirty="0"/>
+          </a:p>
+        </p:txBody>
+      </p:sp>
+      <p:sp>
+        <p:nvSpPr>
+          <p:cNvPr id="3" name="Date Placeholder 2"/>
           <p:cNvSpPr>
             <a:spLocks noGrp="1"/>
           </p:cNvSpPr>
@@ -1985,13 +1808,7 @@
       </p:sp>
       <p:sp>
         <p:nvSpPr>
-          <p:cNvPr id="4" name="Footer Placeholder 3">
-            <a:extLst>
-              <a:ext uri="{FF2B5EF4-FFF2-40B4-BE49-F238E27FC236}">
-                <a16:creationId xmlns:a16="http://schemas.microsoft.com/office/drawing/2014/main" id="{943A060E-1174-CE40-8B7C-CC95C8D78D49}"/>
-              </a:ext>
-            </a:extLst>
-          </p:cNvPr>
+          <p:cNvPr id="4" name="Footer Placeholder 3"/>
           <p:cNvSpPr>
             <a:spLocks noGrp="1"/>
           </p:cNvSpPr>
@@ -2010,13 +1827,7 @@
       </p:sp>
       <p:sp>
         <p:nvSpPr>
-          <p:cNvPr id="5" name="Slide Number Placeholder 4">
-            <a:extLst>
-              <a:ext uri="{FF2B5EF4-FFF2-40B4-BE49-F238E27FC236}">
-                <a16:creationId xmlns:a16="http://schemas.microsoft.com/office/drawing/2014/main" id="{96375B69-9DFF-004E-B85D-DDC0F8920607}"/>
-              </a:ext>
-            </a:extLst>
-          </p:cNvPr>
+          <p:cNvPr id="5" name="Slide Number Placeholder 4"/>
           <p:cNvSpPr>
             <a:spLocks noGrp="1"/>
           </p:cNvSpPr>
@@ -2040,7 +1851,7 @@
     </p:spTree>
     <p:extLst>
       <p:ext uri="{BB962C8B-B14F-4D97-AF65-F5344CB8AC3E}">
-        <p14:creationId xmlns:p14="http://schemas.microsoft.com/office/powerpoint/2010/main" val="3808889211"/>
+        <p14:creationId xmlns:p14="http://schemas.microsoft.com/office/powerpoint/2010/main" val="234967830"/>
       </p:ext>
     </p:extLst>
   </p:cSld>
@@ -2069,13 +1880,7 @@
       </p:grpSpPr>
       <p:sp>
         <p:nvSpPr>
-          <p:cNvPr id="2" name="Date Placeholder 1">
-            <a:extLst>
-              <a:ext uri="{FF2B5EF4-FFF2-40B4-BE49-F238E27FC236}">
-                <a16:creationId xmlns:a16="http://schemas.microsoft.com/office/drawing/2014/main" id="{BDD15E6B-58DB-124F-86D9-C3CF6E6D71FF}"/>
-              </a:ext>
-            </a:extLst>
-          </p:cNvPr>
+          <p:cNvPr id="2" name="Date Placeholder 1"/>
           <p:cNvSpPr>
             <a:spLocks noGrp="1"/>
           </p:cNvSpPr>
@@ -2098,13 +1903,7 @@
       </p:sp>
       <p:sp>
         <p:nvSpPr>
-          <p:cNvPr id="3" name="Footer Placeholder 2">
-            <a:extLst>
-              <a:ext uri="{FF2B5EF4-FFF2-40B4-BE49-F238E27FC236}">
-                <a16:creationId xmlns:a16="http://schemas.microsoft.com/office/drawing/2014/main" id="{2C334819-E1CE-A04E-8B85-13CE6A9C6E52}"/>
-              </a:ext>
-            </a:extLst>
-          </p:cNvPr>
+          <p:cNvPr id="3" name="Footer Placeholder 2"/>
           <p:cNvSpPr>
             <a:spLocks noGrp="1"/>
           </p:cNvSpPr>
@@ -2123,13 +1922,7 @@
       </p:sp>
       <p:sp>
         <p:nvSpPr>
-          <p:cNvPr id="4" name="Slide Number Placeholder 3">
-            <a:extLst>
-              <a:ext uri="{FF2B5EF4-FFF2-40B4-BE49-F238E27FC236}">
-                <a16:creationId xmlns:a16="http://schemas.microsoft.com/office/drawing/2014/main" id="{163A19C2-93E3-9D4A-A063-E04064AA85CE}"/>
-              </a:ext>
-            </a:extLst>
-          </p:cNvPr>
+          <p:cNvPr id="4" name="Slide Number Placeholder 3"/>
           <p:cNvSpPr>
             <a:spLocks noGrp="1"/>
           </p:cNvSpPr>
@@ -2153,7 +1946,7 @@
     </p:spTree>
     <p:extLst>
       <p:ext uri="{BB962C8B-B14F-4D97-AF65-F5344CB8AC3E}">
-        <p14:creationId xmlns:p14="http://schemas.microsoft.com/office/powerpoint/2010/main" val="1951379290"/>
+        <p14:creationId xmlns:p14="http://schemas.microsoft.com/office/powerpoint/2010/main" val="3398114114"/>
       </p:ext>
     </p:extLst>
   </p:cSld>
@@ -2182,161 +1975,223 @@
       </p:grpSpPr>
       <p:sp>
         <p:nvSpPr>
-          <p:cNvPr id="2" name="Title 1">
-            <a:extLst>
-              <a:ext uri="{FF2B5EF4-FFF2-40B4-BE49-F238E27FC236}">
-                <a16:creationId xmlns:a16="http://schemas.microsoft.com/office/drawing/2014/main" id="{DC07AE24-C0DB-044E-926A-91E46442D858}"/>
-              </a:ext>
-            </a:extLst>
-          </p:cNvPr>
-          <p:cNvSpPr>
-            <a:spLocks noGrp="1"/>
-          </p:cNvSpPr>
-          <p:nvPr>
-            <p:ph type="title"/>
-          </p:nvPr>
+          <p:cNvPr id="26" name="Rectangle 25"/>
+          <p:cNvSpPr/>
+          <p:nvPr/>
         </p:nvSpPr>
         <p:spPr>
           <a:xfrm>
-            <a:off x="839788" y="457200"/>
-            <a:ext cx="3932237" cy="1600200"/>
+            <a:off x="0" y="0"/>
+            <a:ext cx="6096000" cy="6858000"/>
+          </a:xfrm>
+          <a:prstGeom prst="rect">
+            <a:avLst/>
+          </a:prstGeom>
+          <a:solidFill>
+            <a:schemeClr val="accent2"/>
+          </a:solidFill>
+          <a:ln>
+            <a:noFill/>
+          </a:ln>
+        </p:spPr>
+        <p:style>
+          <a:lnRef idx="2">
+            <a:schemeClr val="accent1">
+              <a:shade val="50000"/>
+            </a:schemeClr>
+          </a:lnRef>
+          <a:fillRef idx="1">
+            <a:schemeClr val="accent1"/>
+          </a:fillRef>
+          <a:effectRef idx="0">
+            <a:schemeClr val="accent1"/>
+          </a:effectRef>
+          <a:fontRef idx="minor">
+            <a:schemeClr val="lt1"/>
+          </a:fontRef>
+        </p:style>
+      </p:sp>
+      <p:sp>
+        <p:nvSpPr>
+          <p:cNvPr id="2" name="Title 1"/>
+          <p:cNvSpPr>
+            <a:spLocks noGrp="1"/>
+          </p:cNvSpPr>
+          <p:nvPr>
+            <p:ph type="title"/>
+          </p:nvPr>
+        </p:nvSpPr>
+        <p:spPr bwMode="blackWhite">
+          <a:xfrm>
+            <a:off x="804672" y="2243828"/>
+            <a:ext cx="4486656" cy="1141497"/>
+          </a:xfrm>
+          <a:solidFill>
+            <a:srgbClr val="FFFFFF"/>
+          </a:solidFill>
+          <a:ln>
+            <a:solidFill>
+              <a:srgbClr val="404040"/>
+            </a:solidFill>
+          </a:ln>
+        </p:spPr>
+        <p:txBody>
+          <a:bodyPr anchor="ctr" anchorCtr="1">
+            <a:normAutofit/>
+          </a:bodyPr>
+          <a:lstStyle>
+            <a:lvl1pPr>
+              <a:defRPr sz="2200">
+                <a:solidFill>
+                  <a:srgbClr val="262626"/>
+                </a:solidFill>
+              </a:defRPr>
+            </a:lvl1pPr>
+          </a:lstStyle>
+          <a:p>
+            <a:r>
+              <a:rPr lang="en-US"/>
+              <a:t>Click to edit Master title style</a:t>
+            </a:r>
+            <a:endParaRPr lang="en-US" dirty="0"/>
+          </a:p>
+        </p:txBody>
+      </p:sp>
+      <p:sp>
+        <p:nvSpPr>
+          <p:cNvPr id="3" name="Content Placeholder 2"/>
+          <p:cNvSpPr>
+            <a:spLocks noGrp="1"/>
+          </p:cNvSpPr>
+          <p:nvPr>
+            <p:ph idx="1"/>
+          </p:nvPr>
+        </p:nvSpPr>
+        <p:spPr>
+          <a:xfrm>
+            <a:off x="6736080" y="804672"/>
+            <a:ext cx="4815840" cy="5248656"/>
           </a:xfrm>
         </p:spPr>
         <p:txBody>
-          <a:bodyPr anchor="b"/>
+          <a:bodyPr>
+            <a:normAutofit/>
+          </a:bodyPr>
           <a:lstStyle>
             <a:lvl1pPr>
-              <a:defRPr sz="3200"/>
+              <a:defRPr sz="1900">
+                <a:solidFill>
+                  <a:schemeClr val="tx1"/>
+                </a:solidFill>
+              </a:defRPr>
             </a:lvl1pPr>
+            <a:lvl2pPr>
+              <a:defRPr sz="1600">
+                <a:solidFill>
+                  <a:schemeClr val="tx1"/>
+                </a:solidFill>
+              </a:defRPr>
+            </a:lvl2pPr>
+            <a:lvl3pPr>
+              <a:defRPr sz="1600">
+                <a:solidFill>
+                  <a:schemeClr val="tx1"/>
+                </a:solidFill>
+              </a:defRPr>
+            </a:lvl3pPr>
+            <a:lvl4pPr>
+              <a:defRPr sz="1600">
+                <a:solidFill>
+                  <a:schemeClr val="tx1"/>
+                </a:solidFill>
+              </a:defRPr>
+            </a:lvl4pPr>
+            <a:lvl5pPr>
+              <a:defRPr sz="1600">
+                <a:solidFill>
+                  <a:schemeClr val="tx1"/>
+                </a:solidFill>
+              </a:defRPr>
+            </a:lvl5pPr>
+            <a:lvl6pPr>
+              <a:defRPr sz="1600"/>
+            </a:lvl6pPr>
+            <a:lvl7pPr>
+              <a:defRPr sz="1600"/>
+            </a:lvl7pPr>
+            <a:lvl8pPr>
+              <a:defRPr sz="1600"/>
+            </a:lvl8pPr>
+            <a:lvl9pPr>
+              <a:defRPr sz="1600"/>
+            </a:lvl9pPr>
           </a:lstStyle>
           <a:p>
-            <a:r>
-              <a:rPr lang="en-US"/>
-              <a:t>Click to edit Master title style</a:t>
-            </a:r>
-            <a:endParaRPr lang="en-TR"/>
-          </a:p>
-        </p:txBody>
-      </p:sp>
-      <p:sp>
-        <p:nvSpPr>
-          <p:cNvPr id="3" name="Content Placeholder 2">
-            <a:extLst>
-              <a:ext uri="{FF2B5EF4-FFF2-40B4-BE49-F238E27FC236}">
-                <a16:creationId xmlns:a16="http://schemas.microsoft.com/office/drawing/2014/main" id="{7F8F08DA-4FCF-834C-B1DE-050B6FEE6119}"/>
-              </a:ext>
-            </a:extLst>
-          </p:cNvPr>
-          <p:cNvSpPr>
-            <a:spLocks noGrp="1"/>
-          </p:cNvSpPr>
-          <p:nvPr>
-            <p:ph idx="1"/>
+            <a:pPr lvl="0"/>
+            <a:r>
+              <a:rPr lang="en-US"/>
+              <a:t>Click to edit Master text styles</a:t>
+            </a:r>
+          </a:p>
+          <a:p>
+            <a:pPr lvl="1"/>
+            <a:r>
+              <a:rPr lang="en-US"/>
+              <a:t>Second level</a:t>
+            </a:r>
+          </a:p>
+          <a:p>
+            <a:pPr lvl="2"/>
+            <a:r>
+              <a:rPr lang="en-US"/>
+              <a:t>Third level</a:t>
+            </a:r>
+          </a:p>
+          <a:p>
+            <a:pPr lvl="3"/>
+            <a:r>
+              <a:rPr lang="en-US"/>
+              <a:t>Fourth level</a:t>
+            </a:r>
+          </a:p>
+          <a:p>
+            <a:pPr lvl="4"/>
+            <a:r>
+              <a:rPr lang="en-US"/>
+              <a:t>Fifth level</a:t>
+            </a:r>
+            <a:endParaRPr lang="en-US" dirty="0"/>
+          </a:p>
+        </p:txBody>
+      </p:sp>
+      <p:sp>
+        <p:nvSpPr>
+          <p:cNvPr id="4" name="Text Placeholder 3"/>
+          <p:cNvSpPr>
+            <a:spLocks noGrp="1"/>
+          </p:cNvSpPr>
+          <p:nvPr>
+            <p:ph type="body" sz="half" idx="2"/>
           </p:nvPr>
         </p:nvSpPr>
         <p:spPr>
           <a:xfrm>
-            <a:off x="5183188" y="987425"/>
-            <a:ext cx="6172200" cy="4873625"/>
+            <a:off x="1115568" y="3549918"/>
+            <a:ext cx="3794760" cy="2194036"/>
           </a:xfrm>
         </p:spPr>
         <p:txBody>
-          <a:bodyPr/>
+          <a:bodyPr anchor="t" anchorCtr="1">
+            <a:normAutofit/>
+          </a:bodyPr>
           <a:lstStyle>
-            <a:lvl1pPr>
-              <a:defRPr sz="3200"/>
-            </a:lvl1pPr>
-            <a:lvl2pPr>
-              <a:defRPr sz="2800"/>
-            </a:lvl2pPr>
-            <a:lvl3pPr>
-              <a:defRPr sz="2400"/>
-            </a:lvl3pPr>
-            <a:lvl4pPr>
-              <a:defRPr sz="2000"/>
-            </a:lvl4pPr>
-            <a:lvl5pPr>
-              <a:defRPr sz="2000"/>
-            </a:lvl5pPr>
-            <a:lvl6pPr>
-              <a:defRPr sz="2000"/>
-            </a:lvl6pPr>
-            <a:lvl7pPr>
-              <a:defRPr sz="2000"/>
-            </a:lvl7pPr>
-            <a:lvl8pPr>
-              <a:defRPr sz="2000"/>
-            </a:lvl8pPr>
-            <a:lvl9pPr>
-              <a:defRPr sz="2000"/>
-            </a:lvl9pPr>
-          </a:lstStyle>
-          <a:p>
-            <a:pPr lvl="0"/>
-            <a:r>
-              <a:rPr lang="en-US"/>
-              <a:t>Click to edit Master text styles</a:t>
-            </a:r>
-          </a:p>
-          <a:p>
-            <a:pPr lvl="1"/>
-            <a:r>
-              <a:rPr lang="en-US"/>
-              <a:t>Second level</a:t>
-            </a:r>
-          </a:p>
-          <a:p>
-            <a:pPr lvl="2"/>
-            <a:r>
-              <a:rPr lang="en-US"/>
-              <a:t>Third level</a:t>
-            </a:r>
-          </a:p>
-          <a:p>
-            <a:pPr lvl="3"/>
-            <a:r>
-              <a:rPr lang="en-US"/>
-              <a:t>Fourth level</a:t>
-            </a:r>
-          </a:p>
-          <a:p>
-            <a:pPr lvl="4"/>
-            <a:r>
-              <a:rPr lang="en-US"/>
-              <a:t>Fifth level</a:t>
-            </a:r>
-            <a:endParaRPr lang="en-TR"/>
-          </a:p>
-        </p:txBody>
-      </p:sp>
-      <p:sp>
-        <p:nvSpPr>
-          <p:cNvPr id="4" name="Text Placeholder 3">
-            <a:extLst>
-              <a:ext uri="{FF2B5EF4-FFF2-40B4-BE49-F238E27FC236}">
-                <a16:creationId xmlns:a16="http://schemas.microsoft.com/office/drawing/2014/main" id="{9D25FB88-5E04-954D-A177-00919AA7D0A9}"/>
-              </a:ext>
-            </a:extLst>
-          </p:cNvPr>
-          <p:cNvSpPr>
-            <a:spLocks noGrp="1"/>
-          </p:cNvSpPr>
-          <p:nvPr>
-            <p:ph type="body" sz="half" idx="2"/>
-          </p:nvPr>
-        </p:nvSpPr>
-        <p:spPr>
-          <a:xfrm>
-            <a:off x="839788" y="2057400"/>
-            <a:ext cx="3932237" cy="3811588"/>
-          </a:xfrm>
-        </p:spPr>
-        <p:txBody>
-          <a:bodyPr/>
-          <a:lstStyle>
-            <a:lvl1pPr marL="0" indent="0">
-              <a:buNone/>
-              <a:defRPr sz="1600"/>
+            <a:lvl1pPr marL="0" indent="0" algn="ctr">
+              <a:buNone/>
+              <a:defRPr sz="1500">
+                <a:solidFill>
+                  <a:srgbClr val="FFFFFF"/>
+                </a:solidFill>
+              </a:defRPr>
             </a:lvl1pPr>
             <a:lvl2pPr marL="457200" indent="0">
               <a:buNone/>
@@ -2382,13 +2237,7 @@
       </p:sp>
       <p:sp>
         <p:nvSpPr>
-          <p:cNvPr id="5" name="Date Placeholder 4">
-            <a:extLst>
-              <a:ext uri="{FF2B5EF4-FFF2-40B4-BE49-F238E27FC236}">
-                <a16:creationId xmlns:a16="http://schemas.microsoft.com/office/drawing/2014/main" id="{DD50A6AF-69FD-C84F-8B4C-F0FD8A52274A}"/>
-              </a:ext>
-            </a:extLst>
-          </p:cNvPr>
+          <p:cNvPr id="9" name="Date Placeholder 8"/>
           <p:cNvSpPr>
             <a:spLocks noGrp="1"/>
           </p:cNvSpPr>
@@ -2411,13 +2260,7 @@
       </p:sp>
       <p:sp>
         <p:nvSpPr>
-          <p:cNvPr id="6" name="Footer Placeholder 5">
-            <a:extLst>
-              <a:ext uri="{FF2B5EF4-FFF2-40B4-BE49-F238E27FC236}">
-                <a16:creationId xmlns:a16="http://schemas.microsoft.com/office/drawing/2014/main" id="{46CB6C27-1012-DC42-9C18-0D5A9C98F326}"/>
-              </a:ext>
-            </a:extLst>
-          </p:cNvPr>
+          <p:cNvPr id="10" name="Footer Placeholder 9"/>
           <p:cNvSpPr>
             <a:spLocks noGrp="1"/>
           </p:cNvSpPr>
@@ -2425,10 +2268,25 @@
             <p:ph type="ftr" sz="quarter" idx="11"/>
           </p:nvPr>
         </p:nvSpPr>
-        <p:spPr/>
-        <p:txBody>
-          <a:bodyPr/>
-          <a:lstStyle/>
+        <p:spPr>
+          <a:xfrm>
+            <a:off x="804672" y="6236208"/>
+            <a:ext cx="5124797" cy="320040"/>
+          </a:xfrm>
+        </p:spPr>
+        <p:txBody>
+          <a:bodyPr/>
+          <a:lstStyle>
+            <a:lvl1pPr>
+              <a:defRPr>
+                <a:solidFill>
+                  <a:srgbClr val="FFFFFF">
+                    <a:alpha val="70000"/>
+                  </a:srgbClr>
+                </a:solidFill>
+              </a:defRPr>
+            </a:lvl1pPr>
+          </a:lstStyle>
           <a:p>
             <a:endParaRPr lang="en-TR"/>
           </a:p>
@@ -2436,13 +2294,7 @@
       </p:sp>
       <p:sp>
         <p:nvSpPr>
-          <p:cNvPr id="7" name="Slide Number Placeholder 6">
-            <a:extLst>
-              <a:ext uri="{FF2B5EF4-FFF2-40B4-BE49-F238E27FC236}">
-                <a16:creationId xmlns:a16="http://schemas.microsoft.com/office/drawing/2014/main" id="{F94A3DB5-73CF-0849-91F4-C40064B3C688}"/>
-              </a:ext>
-            </a:extLst>
-          </p:cNvPr>
+          <p:cNvPr id="11" name="Slide Number Placeholder 10"/>
           <p:cNvSpPr>
             <a:spLocks noGrp="1"/>
           </p:cNvSpPr>
@@ -2466,7 +2318,7 @@
     </p:spTree>
     <p:extLst>
       <p:ext uri="{BB962C8B-B14F-4D97-AF65-F5344CB8AC3E}">
-        <p14:creationId xmlns:p14="http://schemas.microsoft.com/office/powerpoint/2010/main" val="1664795953"/>
+        <p14:creationId xmlns:p14="http://schemas.microsoft.com/office/powerpoint/2010/main" val="4028568424"/>
       </p:ext>
     </p:extLst>
   </p:cSld>
@@ -2495,31 +2347,77 @@
       </p:grpSpPr>
       <p:sp>
         <p:nvSpPr>
-          <p:cNvPr id="2" name="Title 1">
-            <a:extLst>
-              <a:ext uri="{FF2B5EF4-FFF2-40B4-BE49-F238E27FC236}">
-                <a16:creationId xmlns:a16="http://schemas.microsoft.com/office/drawing/2014/main" id="{F9C8BBB9-7C17-FB40-99C3-6756084D0A4B}"/>
-              </a:ext>
-            </a:extLst>
-          </p:cNvPr>
-          <p:cNvSpPr>
-            <a:spLocks noGrp="1"/>
-          </p:cNvSpPr>
-          <p:nvPr>
-            <p:ph type="title"/>
-          </p:nvPr>
+          <p:cNvPr id="18" name="Rectangle 17"/>
+          <p:cNvSpPr/>
+          <p:nvPr/>
         </p:nvSpPr>
         <p:spPr>
           <a:xfrm>
-            <a:off x="839788" y="457200"/>
-            <a:ext cx="3932237" cy="1600200"/>
+            <a:off x="0" y="0"/>
+            <a:ext cx="6095999" cy="6858000"/>
           </a:xfrm>
+          <a:prstGeom prst="rect">
+            <a:avLst/>
+          </a:prstGeom>
+          <a:solidFill>
+            <a:schemeClr val="accent2"/>
+          </a:solidFill>
+          <a:ln>
+            <a:noFill/>
+          </a:ln>
         </p:spPr>
-        <p:txBody>
-          <a:bodyPr anchor="b"/>
+        <p:style>
+          <a:lnRef idx="2">
+            <a:schemeClr val="accent1">
+              <a:shade val="50000"/>
+            </a:schemeClr>
+          </a:lnRef>
+          <a:fillRef idx="1">
+            <a:schemeClr val="accent1"/>
+          </a:fillRef>
+          <a:effectRef idx="0">
+            <a:schemeClr val="accent1"/>
+          </a:effectRef>
+          <a:fontRef idx="minor">
+            <a:schemeClr val="lt1"/>
+          </a:fontRef>
+        </p:style>
+      </p:sp>
+      <p:sp>
+        <p:nvSpPr>
+          <p:cNvPr id="2" name="Title 1"/>
+          <p:cNvSpPr>
+            <a:spLocks noGrp="1"/>
+          </p:cNvSpPr>
+          <p:nvPr>
+            <p:ph type="title"/>
+          </p:nvPr>
+        </p:nvSpPr>
+        <p:spPr bwMode="blackWhite">
+          <a:xfrm>
+            <a:off x="808523" y="2243828"/>
+            <a:ext cx="4494998" cy="1134640"/>
+          </a:xfrm>
+          <a:solidFill>
+            <a:srgbClr val="FFFFFF"/>
+          </a:solidFill>
+          <a:ln>
+            <a:solidFill>
+              <a:srgbClr val="404040"/>
+            </a:solidFill>
+          </a:ln>
+        </p:spPr>
+        <p:txBody>
+          <a:bodyPr anchor="ctr" anchorCtr="1">
+            <a:noAutofit/>
+          </a:bodyPr>
           <a:lstStyle>
             <a:lvl1pPr>
-              <a:defRPr sz="3200"/>
+              <a:defRPr sz="2200">
+                <a:solidFill>
+                  <a:srgbClr val="262626"/>
+                </a:solidFill>
+              </a:defRPr>
             </a:lvl1pPr>
           </a:lstStyle>
           <a:p>
@@ -2527,21 +2425,15 @@
               <a:rPr lang="en-US"/>
               <a:t>Click to edit Master title style</a:t>
             </a:r>
-            <a:endParaRPr lang="en-TR"/>
-          </a:p>
-        </p:txBody>
-      </p:sp>
-      <p:sp>
-        <p:nvSpPr>
-          <p:cNvPr id="3" name="Picture Placeholder 2">
-            <a:extLst>
-              <a:ext uri="{FF2B5EF4-FFF2-40B4-BE49-F238E27FC236}">
-                <a16:creationId xmlns:a16="http://schemas.microsoft.com/office/drawing/2014/main" id="{C06EB6CB-395D-FE49-B08C-4F85742A7FE0}"/>
-              </a:ext>
-            </a:extLst>
-          </p:cNvPr>
-          <p:cNvSpPr>
-            <a:spLocks noGrp="1"/>
+            <a:endParaRPr lang="en-US" dirty="0"/>
+          </a:p>
+        </p:txBody>
+      </p:sp>
+      <p:sp>
+        <p:nvSpPr>
+          <p:cNvPr id="3" name="Picture Placeholder 2"/>
+          <p:cNvSpPr>
+            <a:spLocks noGrp="1" noChangeAspect="1"/>
           </p:cNvSpPr>
           <p:nvPr>
             <p:ph type="pic" idx="1"/>
@@ -2549,16 +2441,28 @@
         </p:nvSpPr>
         <p:spPr>
           <a:xfrm>
-            <a:off x="5183188" y="987425"/>
-            <a:ext cx="6172200" cy="4873625"/>
+            <a:off x="6095999" y="0"/>
+            <a:ext cx="6102097" cy="6858000"/>
           </a:xfrm>
+          <a:solidFill>
+            <a:schemeClr val="bg1">
+              <a:lumMod val="75000"/>
+            </a:schemeClr>
+          </a:solidFill>
         </p:spPr>
         <p:txBody>
-          <a:bodyPr/>
+          <a:bodyPr anchor="t"/>
           <a:lstStyle>
             <a:lvl1pPr marL="0" indent="0">
               <a:buNone/>
-              <a:defRPr sz="3200"/>
+              <a:defRPr sz="3200">
+                <a:solidFill>
+                  <a:schemeClr val="bg1">
+                    <a:lumMod val="85000"/>
+                    <a:lumOff val="15000"/>
+                  </a:schemeClr>
+                </a:solidFill>
+              </a:defRPr>
             </a:lvl1pPr>
             <a:lvl2pPr marL="457200" indent="0">
               <a:buNone/>
@@ -2594,19 +2498,17 @@
             </a:lvl9pPr>
           </a:lstStyle>
           <a:p>
-            <a:endParaRPr lang="en-TR"/>
-          </a:p>
-        </p:txBody>
-      </p:sp>
-      <p:sp>
-        <p:nvSpPr>
-          <p:cNvPr id="4" name="Text Placeholder 3">
-            <a:extLst>
-              <a:ext uri="{FF2B5EF4-FFF2-40B4-BE49-F238E27FC236}">
-                <a16:creationId xmlns:a16="http://schemas.microsoft.com/office/drawing/2014/main" id="{40FF4602-39B5-3B4F-890E-D1076CDEC159}"/>
-              </a:ext>
-            </a:extLst>
-          </p:cNvPr>
+            <a:r>
+              <a:rPr lang="en-US"/>
+              <a:t>Click icon to add picture</a:t>
+            </a:r>
+            <a:endParaRPr lang="en-US" dirty="0"/>
+          </a:p>
+        </p:txBody>
+      </p:sp>
+      <p:sp>
+        <p:nvSpPr>
+          <p:cNvPr id="4" name="Text Placeholder 3"/>
           <p:cNvSpPr>
             <a:spLocks noGrp="1"/>
           </p:cNvSpPr>
@@ -2616,16 +2518,22 @@
         </p:nvSpPr>
         <p:spPr>
           <a:xfrm>
-            <a:off x="839788" y="2057400"/>
-            <a:ext cx="3932237" cy="3811588"/>
+            <a:off x="1115568" y="3549918"/>
+            <a:ext cx="3794760" cy="2194037"/>
           </a:xfrm>
         </p:spPr>
         <p:txBody>
-          <a:bodyPr/>
+          <a:bodyPr anchor="t" anchorCtr="1">
+            <a:normAutofit/>
+          </a:bodyPr>
           <a:lstStyle>
-            <a:lvl1pPr marL="0" indent="0">
-              <a:buNone/>
-              <a:defRPr sz="1600"/>
+            <a:lvl1pPr marL="0" indent="0" algn="ctr">
+              <a:buNone/>
+              <a:defRPr sz="1500">
+                <a:solidFill>
+                  <a:srgbClr val="FFFFFF"/>
+                </a:solidFill>
+              </a:defRPr>
             </a:lvl1pPr>
             <a:lvl2pPr marL="457200" indent="0">
               <a:buNone/>
@@ -2671,13 +2579,7 @@
       </p:sp>
       <p:sp>
         <p:nvSpPr>
-          <p:cNvPr id="5" name="Date Placeholder 4">
-            <a:extLst>
-              <a:ext uri="{FF2B5EF4-FFF2-40B4-BE49-F238E27FC236}">
-                <a16:creationId xmlns:a16="http://schemas.microsoft.com/office/drawing/2014/main" id="{1EEDBC39-99FD-2B43-87E8-FDD7A3CD75C1}"/>
-              </a:ext>
-            </a:extLst>
-          </p:cNvPr>
+          <p:cNvPr id="8" name="Date Placeholder 7"/>
           <p:cNvSpPr>
             <a:spLocks noGrp="1"/>
           </p:cNvSpPr>
@@ -2688,7 +2590,22 @@
         <p:spPr/>
         <p:txBody>
           <a:bodyPr/>
-          <a:lstStyle/>
+          <a:lstStyle>
+            <a:lvl1pPr>
+              <a:defRPr>
+                <a:solidFill>
+                  <a:srgbClr val="FFFFFF"/>
+                </a:solidFill>
+                <a:effectLst>
+                  <a:outerShdw blurRad="50800" dist="38100" dir="2700000" algn="tl" rotWithShape="0">
+                    <a:prstClr val="black">
+                      <a:alpha val="43000"/>
+                    </a:prstClr>
+                  </a:outerShdw>
+                </a:effectLst>
+              </a:defRPr>
+            </a:lvl1pPr>
+          </a:lstStyle>
           <a:p>
             <a:fld id="{50160722-6A9B-9842-B791-CFA39F1FD294}" type="datetimeFigureOut">
               <a:rPr lang="en-TR" smtClean="0"/>
@@ -2700,13 +2617,7 @@
       </p:sp>
       <p:sp>
         <p:nvSpPr>
-          <p:cNvPr id="6" name="Footer Placeholder 5">
-            <a:extLst>
-              <a:ext uri="{FF2B5EF4-FFF2-40B4-BE49-F238E27FC236}">
-                <a16:creationId xmlns:a16="http://schemas.microsoft.com/office/drawing/2014/main" id="{BDB65459-C75C-AC4D-B30F-D054FC22A267}"/>
-              </a:ext>
-            </a:extLst>
-          </p:cNvPr>
+          <p:cNvPr id="9" name="Footer Placeholder 8"/>
           <p:cNvSpPr>
             <a:spLocks noGrp="1"/>
           </p:cNvSpPr>
@@ -2714,24 +2625,33 @@
             <p:ph type="ftr" sz="quarter" idx="11"/>
           </p:nvPr>
         </p:nvSpPr>
-        <p:spPr/>
-        <p:txBody>
-          <a:bodyPr/>
-          <a:lstStyle/>
-          <a:p>
-            <a:endParaRPr lang="en-TR"/>
-          </a:p>
-        </p:txBody>
-      </p:sp>
-      <p:sp>
-        <p:nvSpPr>
-          <p:cNvPr id="7" name="Slide Number Placeholder 6">
-            <a:extLst>
-              <a:ext uri="{FF2B5EF4-FFF2-40B4-BE49-F238E27FC236}">
-                <a16:creationId xmlns:a16="http://schemas.microsoft.com/office/drawing/2014/main" id="{71697835-3375-014D-8168-90EA7FA15BAD}"/>
-              </a:ext>
-            </a:extLst>
-          </p:cNvPr>
+        <p:spPr>
+          <a:xfrm>
+            <a:off x="804672" y="6236208"/>
+            <a:ext cx="5124797" cy="320040"/>
+          </a:xfrm>
+        </p:spPr>
+        <p:txBody>
+          <a:bodyPr/>
+          <a:lstStyle>
+            <a:lvl1pPr>
+              <a:defRPr>
+                <a:solidFill>
+                  <a:srgbClr val="FFFFFF">
+                    <a:alpha val="70000"/>
+                  </a:srgbClr>
+                </a:solidFill>
+              </a:defRPr>
+            </a:lvl1pPr>
+          </a:lstStyle>
+          <a:p>
+            <a:endParaRPr lang="en-US" dirty="0"/>
+          </a:p>
+        </p:txBody>
+      </p:sp>
+      <p:sp>
+        <p:nvSpPr>
+          <p:cNvPr id="10" name="Slide Number Placeholder 9"/>
           <p:cNvSpPr>
             <a:spLocks noGrp="1"/>
           </p:cNvSpPr>
@@ -2755,7 +2675,7 @@
     </p:spTree>
     <p:extLst>
       <p:ext uri="{BB962C8B-B14F-4D97-AF65-F5344CB8AC3E}">
-        <p14:creationId xmlns:p14="http://schemas.microsoft.com/office/powerpoint/2010/main" val="3722188418"/>
+        <p14:creationId xmlns:p14="http://schemas.microsoft.com/office/powerpoint/2010/main" val="389577785"/>
       </p:ext>
     </p:extLst>
   </p:cSld>
@@ -2769,9 +2689,14 @@
 <p:sldMaster xmlns:a="http://schemas.openxmlformats.org/drawingml/2006/main" xmlns:r="http://schemas.openxmlformats.org/officeDocument/2006/relationships" xmlns:p="http://schemas.openxmlformats.org/presentationml/2006/main">
   <p:cSld>
     <p:bg>
-      <p:bgRef idx="1001">
-        <a:schemeClr val="bg1"/>
-      </p:bgRef>
+      <p:bgPr>
+        <a:solidFill>
+          <a:schemeClr val="bg1">
+            <a:lumMod val="95000"/>
+          </a:schemeClr>
+        </a:solidFill>
+        <a:effectLst/>
+      </p:bgPr>
     </p:bg>
     <p:spTree>
       <p:nvGrpSpPr>
@@ -2789,131 +2714,163 @@
       </p:grpSpPr>
       <p:sp>
         <p:nvSpPr>
-          <p:cNvPr id="2" name="Title Placeholder 1">
-            <a:extLst>
-              <a:ext uri="{FF2B5EF4-FFF2-40B4-BE49-F238E27FC236}">
-                <a16:creationId xmlns:a16="http://schemas.microsoft.com/office/drawing/2014/main" id="{A72D6CAB-E213-4749-842E-9DE315BD2935}"/>
-              </a:ext>
-            </a:extLst>
-          </p:cNvPr>
+          <p:cNvPr id="2" name="Title Placeholder 1"/>
           <p:cNvSpPr>
             <a:spLocks noGrp="1"/>
           </p:cNvSpPr>
           <p:nvPr>
             <p:ph type="title"/>
+          </p:nvPr>
+        </p:nvSpPr>
+        <p:spPr bwMode="black">
+          <a:xfrm>
+            <a:off x="2231136" y="964692"/>
+            <a:ext cx="7729728" cy="1188720"/>
+          </a:xfrm>
+          <a:prstGeom prst="rect">
+            <a:avLst/>
+          </a:prstGeom>
+          <a:solidFill>
+            <a:srgbClr val="FFFFFF"/>
+          </a:solidFill>
+          <a:ln w="31750" cap="sq">
+            <a:solidFill>
+              <a:srgbClr val="404040"/>
+            </a:solidFill>
+            <a:miter lim="800000"/>
+          </a:ln>
+        </p:spPr>
+        <p:txBody>
+          <a:bodyPr vert="horz" lIns="182880" tIns="182880" rIns="182880" bIns="182880" rtlCol="0" anchor="ctr">
+            <a:normAutofit/>
+          </a:bodyPr>
+          <a:lstStyle/>
+          <a:p>
+            <a:r>
+              <a:rPr lang="en-US"/>
+              <a:t>Click to edit Master title style</a:t>
+            </a:r>
+            <a:endParaRPr lang="en-US" dirty="0"/>
+          </a:p>
+        </p:txBody>
+      </p:sp>
+      <p:sp>
+        <p:nvSpPr>
+          <p:cNvPr id="3" name="Text Placeholder 2"/>
+          <p:cNvSpPr>
+            <a:spLocks noGrp="1"/>
+          </p:cNvSpPr>
+          <p:nvPr>
+            <p:ph type="body" idx="1"/>
           </p:nvPr>
         </p:nvSpPr>
         <p:spPr>
           <a:xfrm>
-            <a:off x="838200" y="365125"/>
-            <a:ext cx="10515600" cy="1325563"/>
+            <a:off x="2231136" y="2638044"/>
+            <a:ext cx="7729728" cy="3101983"/>
           </a:xfrm>
           <a:prstGeom prst="rect">
             <a:avLst/>
           </a:prstGeom>
         </p:spPr>
         <p:txBody>
-          <a:bodyPr vert="horz" lIns="91440" tIns="45720" rIns="91440" bIns="45720" rtlCol="0" anchor="ctr">
+          <a:bodyPr vert="horz" lIns="91440" tIns="45720" rIns="91440" bIns="45720" rtlCol="0">
             <a:normAutofit/>
           </a:bodyPr>
           <a:lstStyle/>
           <a:p>
-            <a:r>
-              <a:rPr lang="en-US"/>
-              <a:t>Click to edit Master title style</a:t>
-            </a:r>
-            <a:endParaRPr lang="en-TR"/>
-          </a:p>
-        </p:txBody>
-      </p:sp>
-      <p:sp>
-        <p:nvSpPr>
-          <p:cNvPr id="3" name="Text Placeholder 2">
-            <a:extLst>
-              <a:ext uri="{FF2B5EF4-FFF2-40B4-BE49-F238E27FC236}">
-                <a16:creationId xmlns:a16="http://schemas.microsoft.com/office/drawing/2014/main" id="{61124389-8762-3545-8514-1B8D0C7A0F85}"/>
-              </a:ext>
-            </a:extLst>
-          </p:cNvPr>
-          <p:cNvSpPr>
-            <a:spLocks noGrp="1"/>
-          </p:cNvSpPr>
-          <p:nvPr>
-            <p:ph type="body" idx="1"/>
+            <a:pPr lvl="0"/>
+            <a:r>
+              <a:rPr lang="en-US"/>
+              <a:t>Click to edit Master text styles</a:t>
+            </a:r>
+          </a:p>
+          <a:p>
+            <a:pPr lvl="1"/>
+            <a:r>
+              <a:rPr lang="en-US"/>
+              <a:t>Second level</a:t>
+            </a:r>
+          </a:p>
+          <a:p>
+            <a:pPr lvl="2"/>
+            <a:r>
+              <a:rPr lang="en-US"/>
+              <a:t>Third level</a:t>
+            </a:r>
+          </a:p>
+          <a:p>
+            <a:pPr lvl="3"/>
+            <a:r>
+              <a:rPr lang="en-US"/>
+              <a:t>Fourth level</a:t>
+            </a:r>
+          </a:p>
+          <a:p>
+            <a:pPr lvl="4"/>
+            <a:r>
+              <a:rPr lang="en-US"/>
+              <a:t>Fifth level</a:t>
+            </a:r>
+            <a:endParaRPr lang="en-US" dirty="0"/>
+          </a:p>
+        </p:txBody>
+      </p:sp>
+      <p:sp>
+        <p:nvSpPr>
+          <p:cNvPr id="4" name="Date Placeholder 3"/>
+          <p:cNvSpPr>
+            <a:spLocks noGrp="1"/>
+          </p:cNvSpPr>
+          <p:nvPr>
+            <p:ph type="dt" sz="half" idx="2"/>
           </p:nvPr>
         </p:nvSpPr>
         <p:spPr>
           <a:xfrm>
-            <a:off x="838200" y="1825625"/>
-            <a:ext cx="10515600" cy="4351338"/>
+            <a:off x="7821429" y="6238816"/>
+            <a:ext cx="2753746" cy="323968"/>
           </a:xfrm>
           <a:prstGeom prst="rect">
             <a:avLst/>
           </a:prstGeom>
         </p:spPr>
         <p:txBody>
-          <a:bodyPr vert="horz" lIns="91440" tIns="45720" rIns="91440" bIns="45720" rtlCol="0">
-            <a:normAutofit/>
-          </a:bodyPr>
-          <a:lstStyle/>
-          <a:p>
-            <a:pPr lvl="0"/>
-            <a:r>
-              <a:rPr lang="en-US"/>
-              <a:t>Click to edit Master text styles</a:t>
-            </a:r>
-          </a:p>
-          <a:p>
-            <a:pPr lvl="1"/>
-            <a:r>
-              <a:rPr lang="en-US"/>
-              <a:t>Second level</a:t>
-            </a:r>
-          </a:p>
-          <a:p>
-            <a:pPr lvl="2"/>
-            <a:r>
-              <a:rPr lang="en-US"/>
-              <a:t>Third level</a:t>
-            </a:r>
-          </a:p>
-          <a:p>
-            <a:pPr lvl="3"/>
-            <a:r>
-              <a:rPr lang="en-US"/>
-              <a:t>Fourth level</a:t>
-            </a:r>
-          </a:p>
-          <a:p>
-            <a:pPr lvl="4"/>
-            <a:r>
-              <a:rPr lang="en-US"/>
-              <a:t>Fifth level</a:t>
-            </a:r>
+          <a:bodyPr vert="horz" lIns="91440" tIns="45720" rIns="91440" bIns="45720" rtlCol="0" anchor="ctr"/>
+          <a:lstStyle>
+            <a:lvl1pPr algn="r">
+              <a:defRPr sz="1050">
+                <a:solidFill>
+                  <a:schemeClr val="tx1">
+                    <a:alpha val="70000"/>
+                  </a:schemeClr>
+                </a:solidFill>
+              </a:defRPr>
+            </a:lvl1pPr>
+          </a:lstStyle>
+          <a:p>
+            <a:fld id="{50160722-6A9B-9842-B791-CFA39F1FD294}" type="datetimeFigureOut">
+              <a:rPr lang="en-TR" smtClean="0"/>
+              <a:t>4.11.2022</a:t>
+            </a:fld>
             <a:endParaRPr lang="en-TR"/>
           </a:p>
         </p:txBody>
       </p:sp>
       <p:sp>
         <p:nvSpPr>
-          <p:cNvPr id="4" name="Date Placeholder 3">
-            <a:extLst>
-              <a:ext uri="{FF2B5EF4-FFF2-40B4-BE49-F238E27FC236}">
-                <a16:creationId xmlns:a16="http://schemas.microsoft.com/office/drawing/2014/main" id="{19965C4A-DCB4-DA4A-90EE-AE387EFAC72A}"/>
-              </a:ext>
-            </a:extLst>
-          </p:cNvPr>
-          <p:cNvSpPr>
-            <a:spLocks noGrp="1"/>
-          </p:cNvSpPr>
-          <p:nvPr>
-            <p:ph type="dt" sz="half" idx="2"/>
+          <p:cNvPr id="5" name="Footer Placeholder 4"/>
+          <p:cNvSpPr>
+            <a:spLocks noGrp="1"/>
+          </p:cNvSpPr>
+          <p:nvPr>
+            <p:ph type="ftr" sz="quarter" idx="3"/>
           </p:nvPr>
         </p:nvSpPr>
         <p:spPr>
           <a:xfrm>
-            <a:off x="838200" y="6356350"/>
-            <a:ext cx="2743200" cy="365125"/>
+            <a:off x="1600200" y="6236208"/>
+            <a:ext cx="5901189" cy="320040"/>
           </a:xfrm>
           <a:prstGeom prst="rect">
             <a:avLst/>
@@ -2923,101 +2880,53 @@
           <a:bodyPr vert="horz" lIns="91440" tIns="45720" rIns="91440" bIns="45720" rtlCol="0" anchor="ctr"/>
           <a:lstStyle>
             <a:lvl1pPr algn="l">
-              <a:defRPr sz="1200">
+              <a:defRPr sz="1050">
                 <a:solidFill>
                   <a:schemeClr val="tx1">
-                    <a:tint val="75000"/>
+                    <a:alpha val="70000"/>
                   </a:schemeClr>
                 </a:solidFill>
               </a:defRPr>
             </a:lvl1pPr>
           </a:lstStyle>
           <a:p>
-            <a:fld id="{50160722-6A9B-9842-B791-CFA39F1FD294}" type="datetimeFigureOut">
-              <a:rPr lang="en-TR" smtClean="0"/>
-              <a:t>4.11.2022</a:t>
-            </a:fld>
             <a:endParaRPr lang="en-TR"/>
           </a:p>
         </p:txBody>
       </p:sp>
       <p:sp>
         <p:nvSpPr>
-          <p:cNvPr id="5" name="Footer Placeholder 4">
-            <a:extLst>
-              <a:ext uri="{FF2B5EF4-FFF2-40B4-BE49-F238E27FC236}">
-                <a16:creationId xmlns:a16="http://schemas.microsoft.com/office/drawing/2014/main" id="{B7E6F4D2-EA08-E146-8F95-9042E5E2DB89}"/>
-              </a:ext>
-            </a:extLst>
-          </p:cNvPr>
-          <p:cNvSpPr>
-            <a:spLocks noGrp="1"/>
-          </p:cNvSpPr>
-          <p:nvPr>
-            <p:ph type="ftr" sz="quarter" idx="3"/>
+          <p:cNvPr id="6" name="Slide Number Placeholder 5"/>
+          <p:cNvSpPr>
+            <a:spLocks noGrp="1"/>
+          </p:cNvSpPr>
+          <p:nvPr>
+            <p:ph type="sldNum" sz="quarter" idx="4"/>
           </p:nvPr>
         </p:nvSpPr>
         <p:spPr>
           <a:xfrm>
-            <a:off x="4038600" y="6356350"/>
-            <a:ext cx="4114800" cy="365125"/>
+            <a:off x="10758922" y="6217920"/>
+            <a:ext cx="365760" cy="365760"/>
           </a:xfrm>
-          <a:prstGeom prst="rect">
+          <a:prstGeom prst="ellipse">
             <a:avLst/>
           </a:prstGeom>
+          <a:solidFill>
+            <a:srgbClr val="1D1D1D">
+              <a:alpha val="70000"/>
+            </a:srgbClr>
+          </a:solidFill>
         </p:spPr>
         <p:txBody>
-          <a:bodyPr vert="horz" lIns="91440" tIns="45720" rIns="91440" bIns="45720" rtlCol="0" anchor="ctr"/>
+          <a:bodyPr vert="horz" lIns="18288" tIns="45720" rIns="18288" bIns="45720" rtlCol="0" anchor="ctr">
+            <a:noAutofit/>
+          </a:bodyPr>
           <a:lstStyle>
             <a:lvl1pPr algn="ctr">
-              <a:defRPr sz="1200">
+              <a:defRPr sz="1100" spc="0" baseline="0">
                 <a:solidFill>
-                  <a:schemeClr val="tx1">
-                    <a:tint val="75000"/>
-                  </a:schemeClr>
-                </a:solidFill>
-              </a:defRPr>
-            </a:lvl1pPr>
-          </a:lstStyle>
-          <a:p>
-            <a:endParaRPr lang="en-TR"/>
-          </a:p>
-        </p:txBody>
-      </p:sp>
-      <p:sp>
-        <p:nvSpPr>
-          <p:cNvPr id="6" name="Slide Number Placeholder 5">
-            <a:extLst>
-              <a:ext uri="{FF2B5EF4-FFF2-40B4-BE49-F238E27FC236}">
-                <a16:creationId xmlns:a16="http://schemas.microsoft.com/office/drawing/2014/main" id="{3CD80F32-BB78-D246-9700-9C0BA8AB922F}"/>
-              </a:ext>
-            </a:extLst>
-          </p:cNvPr>
-          <p:cNvSpPr>
-            <a:spLocks noGrp="1"/>
-          </p:cNvSpPr>
-          <p:nvPr>
-            <p:ph type="sldNum" sz="quarter" idx="4"/>
-          </p:nvPr>
-        </p:nvSpPr>
-        <p:spPr>
-          <a:xfrm>
-            <a:off x="8610600" y="6356350"/>
-            <a:ext cx="2743200" cy="365125"/>
-          </a:xfrm>
-          <a:prstGeom prst="rect">
-            <a:avLst/>
-          </a:prstGeom>
-        </p:spPr>
-        <p:txBody>
-          <a:bodyPr vert="horz" lIns="91440" tIns="45720" rIns="91440" bIns="45720" rtlCol="0" anchor="ctr"/>
-          <a:lstStyle>
-            <a:lvl1pPr algn="r">
-              <a:defRPr sz="1200">
-                <a:solidFill>
-                  <a:schemeClr val="tx1">
-                    <a:tint val="75000"/>
-                  </a:schemeClr>
+                  <a:srgbClr val="FFFFFF"/>
                 </a:solidFill>
               </a:defRPr>
             </a:lvl1pPr>
@@ -3034,27 +2943,27 @@
     </p:spTree>
     <p:extLst>
       <p:ext uri="{BB962C8B-B14F-4D97-AF65-F5344CB8AC3E}">
-        <p14:creationId xmlns:p14="http://schemas.microsoft.com/office/powerpoint/2010/main" val="163656704"/>
+        <p14:creationId xmlns:p14="http://schemas.microsoft.com/office/powerpoint/2010/main" val="676302454"/>
       </p:ext>
     </p:extLst>
   </p:cSld>
   <p:clrMap bg1="lt1" tx1="dk1" bg2="lt2" tx2="dk2" accent1="accent1" accent2="accent2" accent3="accent3" accent4="accent4" accent5="accent5" accent6="accent6" hlink="hlink" folHlink="folHlink"/>
   <p:sldLayoutIdLst>
-    <p:sldLayoutId id="2147483649" r:id="rId1"/>
-    <p:sldLayoutId id="2147483650" r:id="rId2"/>
-    <p:sldLayoutId id="2147483651" r:id="rId3"/>
-    <p:sldLayoutId id="2147483652" r:id="rId4"/>
-    <p:sldLayoutId id="2147483653" r:id="rId5"/>
-    <p:sldLayoutId id="2147483654" r:id="rId6"/>
-    <p:sldLayoutId id="2147483655" r:id="rId7"/>
-    <p:sldLayoutId id="2147483656" r:id="rId8"/>
-    <p:sldLayoutId id="2147483657" r:id="rId9"/>
-    <p:sldLayoutId id="2147483658" r:id="rId10"/>
-    <p:sldLayoutId id="2147483659" r:id="rId11"/>
+    <p:sldLayoutId id="2147483817" r:id="rId1"/>
+    <p:sldLayoutId id="2147483818" r:id="rId2"/>
+    <p:sldLayoutId id="2147483819" r:id="rId3"/>
+    <p:sldLayoutId id="2147483820" r:id="rId4"/>
+    <p:sldLayoutId id="2147483821" r:id="rId5"/>
+    <p:sldLayoutId id="2147483822" r:id="rId6"/>
+    <p:sldLayoutId id="2147483823" r:id="rId7"/>
+    <p:sldLayoutId id="2147483824" r:id="rId8"/>
+    <p:sldLayoutId id="2147483825" r:id="rId9"/>
+    <p:sldLayoutId id="2147483826" r:id="rId10"/>
+    <p:sldLayoutId id="2147483827" r:id="rId11"/>
   </p:sldLayoutIdLst>
   <p:txStyles>
     <p:titleStyle>
-      <a:lvl1pPr algn="l" defTabSz="914400" rtl="0" eaLnBrk="1" latinLnBrk="0" hangingPunct="1">
+      <a:lvl1pPr algn="ctr" defTabSz="914400" rtl="0" eaLnBrk="1" latinLnBrk="0" hangingPunct="1">
         <a:lnSpc>
           <a:spcPct val="90000"/>
         </a:lnSpc>
@@ -3062,9 +2971,9 @@
           <a:spcPct val="0"/>
         </a:spcBef>
         <a:buNone/>
-        <a:defRPr sz="4400" kern="1200">
+        <a:defRPr sz="2800" kern="1200" cap="all" spc="200" baseline="0">
           <a:solidFill>
-            <a:schemeClr val="tx1"/>
+            <a:srgbClr val="262626"/>
           </a:solidFill>
           <a:latin typeface="+mj-lt"/>
           <a:ea typeface="+mj-ea"/>
@@ -3075,104 +2984,137 @@
     <p:bodyStyle>
       <a:lvl1pPr marL="228600" indent="-228600" algn="l" defTabSz="914400" rtl="0" eaLnBrk="1" latinLnBrk="0" hangingPunct="1">
         <a:lnSpc>
-          <a:spcPct val="90000"/>
+          <a:spcPct val="100000"/>
         </a:lnSpc>
         <a:spcBef>
           <a:spcPts val="1000"/>
         </a:spcBef>
+        <a:buClr>
+          <a:schemeClr val="accent2"/>
+        </a:buClr>
         <a:buFont typeface="Arial" panose="020B0604020202020204" pitchFamily="34" charset="0"/>
         <a:buChar char="•"/>
-        <a:defRPr sz="2800" kern="1200">
+        <a:defRPr sz="1800" kern="1200">
           <a:solidFill>
-            <a:schemeClr val="tx1"/>
+            <a:schemeClr val="tx1">
+              <a:lumMod val="85000"/>
+              <a:lumOff val="15000"/>
+            </a:schemeClr>
           </a:solidFill>
           <a:latin typeface="+mn-lt"/>
           <a:ea typeface="+mn-ea"/>
           <a:cs typeface="+mn-cs"/>
         </a:defRPr>
       </a:lvl1pPr>
-      <a:lvl2pPr marL="685800" indent="-228600" algn="l" defTabSz="914400" rtl="0" eaLnBrk="1" latinLnBrk="0" hangingPunct="1">
+      <a:lvl2pPr marL="457200" indent="-228600" algn="l" defTabSz="914400" rtl="0" eaLnBrk="1" latinLnBrk="0" hangingPunct="1">
         <a:lnSpc>
-          <a:spcPct val="90000"/>
+          <a:spcPct val="100000"/>
         </a:lnSpc>
         <a:spcBef>
-          <a:spcPts val="500"/>
+          <a:spcPts val="1000"/>
         </a:spcBef>
+        <a:buClr>
+          <a:schemeClr val="accent2"/>
+        </a:buClr>
         <a:buFont typeface="Arial" panose="020B0604020202020204" pitchFamily="34" charset="0"/>
         <a:buChar char="•"/>
-        <a:defRPr sz="2400" kern="1200">
+        <a:defRPr sz="1600" kern="1200">
           <a:solidFill>
-            <a:schemeClr val="tx1"/>
+            <a:schemeClr val="tx1">
+              <a:lumMod val="85000"/>
+              <a:lumOff val="15000"/>
+            </a:schemeClr>
           </a:solidFill>
           <a:latin typeface="+mn-lt"/>
           <a:ea typeface="+mn-ea"/>
           <a:cs typeface="+mn-cs"/>
         </a:defRPr>
       </a:lvl2pPr>
-      <a:lvl3pPr marL="1143000" indent="-228600" algn="l" defTabSz="914400" rtl="0" eaLnBrk="1" latinLnBrk="0" hangingPunct="1">
+      <a:lvl3pPr marL="685800" indent="-228600" algn="l" defTabSz="914400" rtl="0" eaLnBrk="1" latinLnBrk="0" hangingPunct="1">
         <a:lnSpc>
-          <a:spcPct val="90000"/>
+          <a:spcPct val="100000"/>
         </a:lnSpc>
         <a:spcBef>
-          <a:spcPts val="500"/>
+          <a:spcPts val="1000"/>
         </a:spcBef>
+        <a:buClr>
+          <a:schemeClr val="accent2"/>
+        </a:buClr>
         <a:buFont typeface="Arial" panose="020B0604020202020204" pitchFamily="34" charset="0"/>
         <a:buChar char="•"/>
-        <a:defRPr sz="2000" kern="1200">
+        <a:defRPr sz="1600" kern="1200">
           <a:solidFill>
-            <a:schemeClr val="tx1"/>
+            <a:schemeClr val="tx1">
+              <a:lumMod val="85000"/>
+              <a:lumOff val="15000"/>
+            </a:schemeClr>
           </a:solidFill>
           <a:latin typeface="+mn-lt"/>
           <a:ea typeface="+mn-ea"/>
           <a:cs typeface="+mn-cs"/>
         </a:defRPr>
       </a:lvl3pPr>
-      <a:lvl4pPr marL="1600200" indent="-228600" algn="l" defTabSz="914400" rtl="0" eaLnBrk="1" latinLnBrk="0" hangingPunct="1">
+      <a:lvl4pPr marL="914400" indent="-228600" algn="l" defTabSz="914400" rtl="0" eaLnBrk="1" latinLnBrk="0" hangingPunct="1">
         <a:lnSpc>
-          <a:spcPct val="90000"/>
+          <a:spcPct val="100000"/>
         </a:lnSpc>
         <a:spcBef>
-          <a:spcPts val="500"/>
+          <a:spcPts val="1000"/>
         </a:spcBef>
+        <a:buClr>
+          <a:schemeClr val="accent2"/>
+        </a:buClr>
         <a:buFont typeface="Arial" panose="020B0604020202020204" pitchFamily="34" charset="0"/>
         <a:buChar char="•"/>
-        <a:defRPr sz="1800" kern="1200">
+        <a:defRPr sz="1600" kern="1200">
           <a:solidFill>
-            <a:schemeClr val="tx1"/>
+            <a:schemeClr val="tx1">
+              <a:lumMod val="85000"/>
+              <a:lumOff val="15000"/>
+            </a:schemeClr>
           </a:solidFill>
           <a:latin typeface="+mn-lt"/>
           <a:ea typeface="+mn-ea"/>
           <a:cs typeface="+mn-cs"/>
         </a:defRPr>
       </a:lvl4pPr>
-      <a:lvl5pPr marL="2057400" indent="-228600" algn="l" defTabSz="914400" rtl="0" eaLnBrk="1" latinLnBrk="0" hangingPunct="1">
+      <a:lvl5pPr marL="1143000" indent="-228600" algn="l" defTabSz="914400" rtl="0" eaLnBrk="1" latinLnBrk="0" hangingPunct="1">
         <a:lnSpc>
-          <a:spcPct val="90000"/>
+          <a:spcPct val="100000"/>
         </a:lnSpc>
         <a:spcBef>
-          <a:spcPts val="500"/>
+          <a:spcPts val="1000"/>
         </a:spcBef>
+        <a:buClr>
+          <a:schemeClr val="accent2"/>
+        </a:buClr>
         <a:buFont typeface="Arial" panose="020B0604020202020204" pitchFamily="34" charset="0"/>
         <a:buChar char="•"/>
-        <a:defRPr sz="1800" kern="1200">
+        <a:defRPr sz="1600" kern="1200">
           <a:solidFill>
-            <a:schemeClr val="tx1"/>
+            <a:schemeClr val="tx1">
+              <a:lumMod val="85000"/>
+              <a:lumOff val="15000"/>
+            </a:schemeClr>
           </a:solidFill>
           <a:latin typeface="+mn-lt"/>
           <a:ea typeface="+mn-ea"/>
           <a:cs typeface="+mn-cs"/>
         </a:defRPr>
       </a:lvl5pPr>
-      <a:lvl6pPr marL="2514600" indent="-228600" algn="l" defTabSz="914400" rtl="0" eaLnBrk="1" latinLnBrk="0" hangingPunct="1">
+      <a:lvl6pPr marL="1312863" indent="-228600" algn="l" defTabSz="914400" rtl="0" eaLnBrk="1" latinLnBrk="0" hangingPunct="1">
         <a:lnSpc>
-          <a:spcPct val="90000"/>
+          <a:spcPct val="100000"/>
         </a:lnSpc>
         <a:spcBef>
-          <a:spcPts val="500"/>
+          <a:spcPts val="1000"/>
         </a:spcBef>
+        <a:buClr>
+          <a:schemeClr val="accent2"/>
+        </a:buClr>
         <a:buFont typeface="Arial" panose="020B0604020202020204" pitchFamily="34" charset="0"/>
         <a:buChar char="•"/>
-        <a:defRPr sz="1800" kern="1200">
+        <a:defRPr sz="1600" kern="1200">
           <a:solidFill>
             <a:schemeClr val="tx1"/>
           </a:solidFill>
@@ -3181,16 +3123,19 @@
           <a:cs typeface="+mn-cs"/>
         </a:defRPr>
       </a:lvl6pPr>
-      <a:lvl7pPr marL="2971800" indent="-228600" algn="l" defTabSz="914400" rtl="0" eaLnBrk="1" latinLnBrk="0" hangingPunct="1">
+      <a:lvl7pPr marL="1484313" indent="-228600" algn="l" defTabSz="914400" rtl="0" eaLnBrk="1" latinLnBrk="0" hangingPunct="1">
         <a:lnSpc>
-          <a:spcPct val="90000"/>
+          <a:spcPct val="100000"/>
         </a:lnSpc>
         <a:spcBef>
-          <a:spcPts val="500"/>
+          <a:spcPts val="1000"/>
         </a:spcBef>
+        <a:buClr>
+          <a:schemeClr val="accent2"/>
+        </a:buClr>
         <a:buFont typeface="Arial" panose="020B0604020202020204" pitchFamily="34" charset="0"/>
         <a:buChar char="•"/>
-        <a:defRPr sz="1800" kern="1200">
+        <a:defRPr sz="1600" kern="1200">
           <a:solidFill>
             <a:schemeClr val="tx1"/>
           </a:solidFill>
@@ -3199,16 +3144,19 @@
           <a:cs typeface="+mn-cs"/>
         </a:defRPr>
       </a:lvl7pPr>
-      <a:lvl8pPr marL="3429000" indent="-228600" algn="l" defTabSz="914400" rtl="0" eaLnBrk="1" latinLnBrk="0" hangingPunct="1">
+      <a:lvl8pPr marL="1657350" indent="-228600" algn="l" defTabSz="914400" rtl="0" eaLnBrk="1" latinLnBrk="0" hangingPunct="1">
         <a:lnSpc>
-          <a:spcPct val="90000"/>
+          <a:spcPct val="100000"/>
         </a:lnSpc>
         <a:spcBef>
-          <a:spcPts val="500"/>
+          <a:spcPts val="1000"/>
         </a:spcBef>
+        <a:buClr>
+          <a:schemeClr val="accent2"/>
+        </a:buClr>
         <a:buFont typeface="Arial" panose="020B0604020202020204" pitchFamily="34" charset="0"/>
         <a:buChar char="•"/>
-        <a:defRPr sz="1800" kern="1200">
+        <a:defRPr sz="1600" kern="1200" baseline="0">
           <a:solidFill>
             <a:schemeClr val="tx1"/>
           </a:solidFill>
@@ -3217,16 +3165,19 @@
           <a:cs typeface="+mn-cs"/>
         </a:defRPr>
       </a:lvl8pPr>
-      <a:lvl9pPr marL="3886200" indent="-228600" algn="l" defTabSz="914400" rtl="0" eaLnBrk="1" latinLnBrk="0" hangingPunct="1">
+      <a:lvl9pPr marL="1882775" indent="-228600" algn="l" defTabSz="914400" rtl="0" eaLnBrk="1" latinLnBrk="0" hangingPunct="1">
         <a:lnSpc>
-          <a:spcPct val="90000"/>
+          <a:spcPct val="100000"/>
         </a:lnSpc>
         <a:spcBef>
-          <a:spcPts val="500"/>
+          <a:spcPts val="1000"/>
         </a:spcBef>
+        <a:buClr>
+          <a:schemeClr val="accent2"/>
+        </a:buClr>
         <a:buFont typeface="Arial" panose="020B0604020202020204" pitchFamily="34" charset="0"/>
         <a:buChar char="•"/>
-        <a:defRPr sz="1800" kern="1200">
+        <a:defRPr sz="1600" kern="1200" baseline="0">
           <a:solidFill>
             <a:schemeClr val="tx1"/>
           </a:solidFill>
@@ -3238,7 +3189,7 @@
     </p:bodyStyle>
     <p:otherStyle>
       <a:defPPr>
-        <a:defRPr lang="en-TR"/>
+        <a:defRPr lang="en-US"/>
       </a:defPPr>
       <a:lvl1pPr marL="0" algn="l" defTabSz="914400" rtl="0" eaLnBrk="1" latinLnBrk="0" hangingPunct="1">
         <a:defRPr sz="1800" kern="1200">
@@ -3437,10 +3388,10 @@
       </p:grpSpPr>
       <p:sp>
         <p:nvSpPr>
-          <p:cNvPr id="77" name="Rectangle 76">
+          <p:cNvPr id="54" name="Rectangle 53">
             <a:extLst>
               <a:ext uri="{FF2B5EF4-FFF2-40B4-BE49-F238E27FC236}">
-                <a16:creationId xmlns:a16="http://schemas.microsoft.com/office/drawing/2014/main" id="{3BD22D83-D686-0A4E-9404-73455ED21B9E}"/>
+                <a16:creationId xmlns:a16="http://schemas.microsoft.com/office/drawing/2014/main" id="{1B7500EC-2740-F547-827C-1CB2ED2C5BDE}"/>
               </a:ext>
             </a:extLst>
           </p:cNvPr>
@@ -3489,10 +3440,10 @@
       </p:sp>
       <p:sp>
         <p:nvSpPr>
-          <p:cNvPr id="74" name="Rectangle 73">
+          <p:cNvPr id="55" name="Rectangle 54">
             <a:extLst>
               <a:ext uri="{FF2B5EF4-FFF2-40B4-BE49-F238E27FC236}">
-                <a16:creationId xmlns:a16="http://schemas.microsoft.com/office/drawing/2014/main" id="{99DDE83A-7D46-2944-B69F-3A3EF9B4E4BC}"/>
+                <a16:creationId xmlns:a16="http://schemas.microsoft.com/office/drawing/2014/main" id="{95357960-FA8A-674D-9CBE-AE79A15B170D}"/>
               </a:ext>
             </a:extLst>
           </p:cNvPr>
@@ -3541,10 +3492,10 @@
       </p:sp>
       <p:sp>
         <p:nvSpPr>
-          <p:cNvPr id="75" name="Rectangle 74">
+          <p:cNvPr id="59" name="Rectangle 58">
             <a:extLst>
               <a:ext uri="{FF2B5EF4-FFF2-40B4-BE49-F238E27FC236}">
-                <a16:creationId xmlns:a16="http://schemas.microsoft.com/office/drawing/2014/main" id="{9F0E457C-B14F-A64F-8300-B30AC06D3632}"/>
+                <a16:creationId xmlns:a16="http://schemas.microsoft.com/office/drawing/2014/main" id="{955523DF-3632-1F4E-81CC-B993F9974038}"/>
               </a:ext>
             </a:extLst>
           </p:cNvPr>
@@ -3593,10 +3544,10 @@
       </p:sp>
       <p:sp>
         <p:nvSpPr>
-          <p:cNvPr id="76" name="Rectangle 75">
+          <p:cNvPr id="60" name="Rectangle 59">
             <a:extLst>
               <a:ext uri="{FF2B5EF4-FFF2-40B4-BE49-F238E27FC236}">
-                <a16:creationId xmlns:a16="http://schemas.microsoft.com/office/drawing/2014/main" id="{A2B22F40-27A5-3840-B23F-0835E5641A41}"/>
+                <a16:creationId xmlns:a16="http://schemas.microsoft.com/office/drawing/2014/main" id="{BD876CBB-E163-F64C-AFD1-EC720F265200}"/>
               </a:ext>
             </a:extLst>
           </p:cNvPr>
@@ -3644,10 +3595,10 @@
       </p:sp>
       <p:sp>
         <p:nvSpPr>
-          <p:cNvPr id="4" name="Rounded Rectangle 3">
+          <p:cNvPr id="61" name="Rounded Rectangle 60">
             <a:extLst>
               <a:ext uri="{FF2B5EF4-FFF2-40B4-BE49-F238E27FC236}">
-                <a16:creationId xmlns:a16="http://schemas.microsoft.com/office/drawing/2014/main" id="{62A93C93-A3D3-3347-BB46-38252D58C4C0}"/>
+                <a16:creationId xmlns:a16="http://schemas.microsoft.com/office/drawing/2014/main" id="{19CE0AF2-20A8-9943-8319-E9A8D3BA1CDD}"/>
               </a:ext>
             </a:extLst>
           </p:cNvPr>
@@ -3693,10 +3644,10 @@
       </p:sp>
       <p:cxnSp>
         <p:nvCxnSpPr>
-          <p:cNvPr id="8" name="Straight Arrow Connector 7">
+          <p:cNvPr id="62" name="Straight Arrow Connector 61">
             <a:extLst>
               <a:ext uri="{FF2B5EF4-FFF2-40B4-BE49-F238E27FC236}">
-                <a16:creationId xmlns:a16="http://schemas.microsoft.com/office/drawing/2014/main" id="{5F9D7220-290B-474E-AB81-9F1FA1513738}"/>
+                <a16:creationId xmlns:a16="http://schemas.microsoft.com/office/drawing/2014/main" id="{B8D90A93-F077-0442-A254-3A04A82DFA37}"/>
               </a:ext>
             </a:extLst>
           </p:cNvPr>
@@ -3734,10 +3685,10 @@
       </p:cxnSp>
       <p:cxnSp>
         <p:nvCxnSpPr>
-          <p:cNvPr id="9" name="Straight Arrow Connector 8">
+          <p:cNvPr id="63" name="Straight Arrow Connector 62">
             <a:extLst>
               <a:ext uri="{FF2B5EF4-FFF2-40B4-BE49-F238E27FC236}">
-                <a16:creationId xmlns:a16="http://schemas.microsoft.com/office/drawing/2014/main" id="{CAA8443A-6AAF-2A43-AAB5-3F0A9FC31D43}"/>
+                <a16:creationId xmlns:a16="http://schemas.microsoft.com/office/drawing/2014/main" id="{574539C0-E777-B646-894A-FB8DF1B83002}"/>
               </a:ext>
             </a:extLst>
           </p:cNvPr>
@@ -3775,17 +3726,17 @@
       </p:cxnSp>
       <p:cxnSp>
         <p:nvCxnSpPr>
-          <p:cNvPr id="12" name="Straight Arrow Connector 11">
+          <p:cNvPr id="64" name="Straight Arrow Connector 63">
             <a:extLst>
               <a:ext uri="{FF2B5EF4-FFF2-40B4-BE49-F238E27FC236}">
-                <a16:creationId xmlns:a16="http://schemas.microsoft.com/office/drawing/2014/main" id="{AC0083B4-8E18-DA4B-A1FC-82D08AA79DF3}"/>
+                <a16:creationId xmlns:a16="http://schemas.microsoft.com/office/drawing/2014/main" id="{799579AF-F248-0D46-A45E-D8CDC93252B0}"/>
               </a:ext>
             </a:extLst>
           </p:cNvPr>
           <p:cNvCxnSpPr>
             <a:cxnSpLocks/>
-            <a:stCxn id="4" idx="3"/>
-            <a:endCxn id="13" idx="1"/>
+            <a:stCxn id="61" idx="3"/>
+            <a:endCxn id="65" idx="1"/>
           </p:cNvCxnSpPr>
           <p:nvPr/>
         </p:nvCxnSpPr>
@@ -3819,10 +3770,10 @@
       </p:cxnSp>
       <p:sp>
         <p:nvSpPr>
-          <p:cNvPr id="13" name="Rectangle 12">
+          <p:cNvPr id="65" name="Rectangle 64">
             <a:extLst>
               <a:ext uri="{FF2B5EF4-FFF2-40B4-BE49-F238E27FC236}">
-                <a16:creationId xmlns:a16="http://schemas.microsoft.com/office/drawing/2014/main" id="{6CDD5B67-5B09-AF4D-8523-EEAC79AB639B}"/>
+                <a16:creationId xmlns:a16="http://schemas.microsoft.com/office/drawing/2014/main" id="{9D686205-5DA5-774E-88B6-AACDC551598F}"/>
               </a:ext>
             </a:extLst>
           </p:cNvPr>
@@ -3868,10 +3819,10 @@
       </p:sp>
       <p:sp>
         <p:nvSpPr>
-          <p:cNvPr id="14" name="Oval 13">
+          <p:cNvPr id="66" name="Oval 65">
             <a:extLst>
               <a:ext uri="{FF2B5EF4-FFF2-40B4-BE49-F238E27FC236}">
-                <a16:creationId xmlns:a16="http://schemas.microsoft.com/office/drawing/2014/main" id="{A963D35D-33B7-8C42-8A2E-EF2841689C80}"/>
+                <a16:creationId xmlns:a16="http://schemas.microsoft.com/office/drawing/2014/main" id="{9A114AFA-88B3-C949-8C98-01531135AB66}"/>
               </a:ext>
             </a:extLst>
           </p:cNvPr>
@@ -3917,10 +3868,10 @@
       </p:sp>
       <p:sp>
         <p:nvSpPr>
-          <p:cNvPr id="15" name="Oval 14">
+          <p:cNvPr id="67" name="Oval 66">
             <a:extLst>
               <a:ext uri="{FF2B5EF4-FFF2-40B4-BE49-F238E27FC236}">
-                <a16:creationId xmlns:a16="http://schemas.microsoft.com/office/drawing/2014/main" id="{6E38C9E3-1DA3-9147-BDB8-8C0FB1B97383}"/>
+                <a16:creationId xmlns:a16="http://schemas.microsoft.com/office/drawing/2014/main" id="{94D3B22C-0F6B-DA4C-9549-BF3451BDB15F}"/>
               </a:ext>
             </a:extLst>
           </p:cNvPr>
@@ -3966,17 +3917,17 @@
       </p:sp>
       <p:cxnSp>
         <p:nvCxnSpPr>
-          <p:cNvPr id="27" name="Straight Arrow Connector 26">
+          <p:cNvPr id="68" name="Straight Arrow Connector 67">
             <a:extLst>
               <a:ext uri="{FF2B5EF4-FFF2-40B4-BE49-F238E27FC236}">
-                <a16:creationId xmlns:a16="http://schemas.microsoft.com/office/drawing/2014/main" id="{6F1B40F8-5F59-7045-9535-8AF843997A76}"/>
+                <a16:creationId xmlns:a16="http://schemas.microsoft.com/office/drawing/2014/main" id="{014526D5-C2A1-BC45-A94A-81E1C9FA0A1E}"/>
               </a:ext>
             </a:extLst>
           </p:cNvPr>
           <p:cNvCxnSpPr>
             <a:cxnSpLocks/>
-            <a:stCxn id="13" idx="3"/>
-            <a:endCxn id="14" idx="2"/>
+            <a:stCxn id="65" idx="3"/>
+            <a:endCxn id="66" idx="2"/>
           </p:cNvCxnSpPr>
           <p:nvPr/>
         </p:nvCxnSpPr>
@@ -4010,10 +3961,10 @@
       </p:cxnSp>
       <p:sp>
         <p:nvSpPr>
-          <p:cNvPr id="33" name="Snip Single Corner Rectangle 32">
+          <p:cNvPr id="69" name="Snip Single Corner Rectangle 68">
             <a:extLst>
               <a:ext uri="{FF2B5EF4-FFF2-40B4-BE49-F238E27FC236}">
-                <a16:creationId xmlns:a16="http://schemas.microsoft.com/office/drawing/2014/main" id="{D00CBAEE-4011-1241-9EAE-73FAD5DEA381}"/>
+                <a16:creationId xmlns:a16="http://schemas.microsoft.com/office/drawing/2014/main" id="{A70DC568-CC01-C642-B27A-98E497172F6E}"/>
               </a:ext>
             </a:extLst>
           </p:cNvPr>
@@ -4059,17 +4010,17 @@
       </p:sp>
       <p:cxnSp>
         <p:nvCxnSpPr>
-          <p:cNvPr id="38" name="Straight Arrow Connector 37">
+          <p:cNvPr id="70" name="Straight Arrow Connector 69">
             <a:extLst>
               <a:ext uri="{FF2B5EF4-FFF2-40B4-BE49-F238E27FC236}">
-                <a16:creationId xmlns:a16="http://schemas.microsoft.com/office/drawing/2014/main" id="{B16D9B21-ECC3-F04A-A850-6E0E1CB8D4FF}"/>
+                <a16:creationId xmlns:a16="http://schemas.microsoft.com/office/drawing/2014/main" id="{4B91D218-8FC3-054B-A70E-6DD63E0C00B4}"/>
               </a:ext>
             </a:extLst>
           </p:cNvPr>
           <p:cNvCxnSpPr>
             <a:cxnSpLocks/>
-            <a:stCxn id="14" idx="3"/>
-            <a:endCxn id="33" idx="3"/>
+            <a:stCxn id="66" idx="3"/>
+            <a:endCxn id="69" idx="3"/>
           </p:cNvCxnSpPr>
           <p:nvPr/>
         </p:nvCxnSpPr>
@@ -4103,17 +4054,17 @@
       </p:cxnSp>
       <p:cxnSp>
         <p:nvCxnSpPr>
-          <p:cNvPr id="42" name="Straight Arrow Connector 41">
+          <p:cNvPr id="71" name="Straight Arrow Connector 70">
             <a:extLst>
               <a:ext uri="{FF2B5EF4-FFF2-40B4-BE49-F238E27FC236}">
-                <a16:creationId xmlns:a16="http://schemas.microsoft.com/office/drawing/2014/main" id="{AE8CFB66-1B3D-1243-A4D4-FA87C73DB2D5}"/>
+                <a16:creationId xmlns:a16="http://schemas.microsoft.com/office/drawing/2014/main" id="{012EC6CE-2D60-C34D-B8C1-75E86DDB6203}"/>
               </a:ext>
             </a:extLst>
           </p:cNvPr>
           <p:cNvCxnSpPr>
             <a:cxnSpLocks/>
-            <a:stCxn id="15" idx="2"/>
-            <a:endCxn id="14" idx="6"/>
+            <a:stCxn id="67" idx="2"/>
+            <a:endCxn id="66" idx="6"/>
           </p:cNvCxnSpPr>
           <p:nvPr/>
         </p:nvCxnSpPr>
@@ -4147,10 +4098,10 @@
       </p:cxnSp>
       <p:sp>
         <p:nvSpPr>
-          <p:cNvPr id="56" name="TextBox 55">
+          <p:cNvPr id="72" name="TextBox 71">
             <a:extLst>
               <a:ext uri="{FF2B5EF4-FFF2-40B4-BE49-F238E27FC236}">
-                <a16:creationId xmlns:a16="http://schemas.microsoft.com/office/drawing/2014/main" id="{395402AB-9518-FD40-A9B1-6218B57C2FB2}"/>
+                <a16:creationId xmlns:a16="http://schemas.microsoft.com/office/drawing/2014/main" id="{4D1F143B-F21C-A64C-B5A8-9650227A89DD}"/>
               </a:ext>
             </a:extLst>
           </p:cNvPr>
@@ -4182,10 +4133,10 @@
       </p:sp>
       <p:sp>
         <p:nvSpPr>
-          <p:cNvPr id="57" name="TextBox 56">
+          <p:cNvPr id="73" name="TextBox 72">
             <a:extLst>
               <a:ext uri="{FF2B5EF4-FFF2-40B4-BE49-F238E27FC236}">
-                <a16:creationId xmlns:a16="http://schemas.microsoft.com/office/drawing/2014/main" id="{4D789798-2F65-6842-9B8F-1A848AD112E1}"/>
+                <a16:creationId xmlns:a16="http://schemas.microsoft.com/office/drawing/2014/main" id="{FE049E3B-FCBC-8645-A61E-3D065B734C3C}"/>
               </a:ext>
             </a:extLst>
           </p:cNvPr>
@@ -4217,10 +4168,10 @@
       </p:sp>
       <p:sp>
         <p:nvSpPr>
-          <p:cNvPr id="58" name="TextBox 57">
+          <p:cNvPr id="82" name="TextBox 81">
             <a:extLst>
               <a:ext uri="{FF2B5EF4-FFF2-40B4-BE49-F238E27FC236}">
-                <a16:creationId xmlns:a16="http://schemas.microsoft.com/office/drawing/2014/main" id="{03392B4A-2755-C442-948D-3CF0317754CF}"/>
+                <a16:creationId xmlns:a16="http://schemas.microsoft.com/office/drawing/2014/main" id="{01C64A44-634E-D040-A9E0-2047D7BD7107}"/>
               </a:ext>
             </a:extLst>
           </p:cNvPr>
@@ -4252,10 +4203,10 @@
       </p:sp>
       <p:sp>
         <p:nvSpPr>
-          <p:cNvPr id="78" name="TextBox 77">
+          <p:cNvPr id="83" name="TextBox 82">
             <a:extLst>
               <a:ext uri="{FF2B5EF4-FFF2-40B4-BE49-F238E27FC236}">
-                <a16:creationId xmlns:a16="http://schemas.microsoft.com/office/drawing/2014/main" id="{FA33D0BF-0727-C44D-9274-486FB76A1E83}"/>
+                <a16:creationId xmlns:a16="http://schemas.microsoft.com/office/drawing/2014/main" id="{456A7436-EE23-3541-8D6B-6BC135D93E2B}"/>
               </a:ext>
             </a:extLst>
           </p:cNvPr>
@@ -4293,10 +4244,10 @@
       </p:sp>
       <p:sp>
         <p:nvSpPr>
-          <p:cNvPr id="79" name="TextBox 78">
+          <p:cNvPr id="84" name="TextBox 83">
             <a:extLst>
               <a:ext uri="{FF2B5EF4-FFF2-40B4-BE49-F238E27FC236}">
-                <a16:creationId xmlns:a16="http://schemas.microsoft.com/office/drawing/2014/main" id="{50085FEE-7C58-2B41-821C-CA35ACBE54FA}"/>
+                <a16:creationId xmlns:a16="http://schemas.microsoft.com/office/drawing/2014/main" id="{B7A623A1-D6E3-674C-81CA-1CA255E4E8BD}"/>
               </a:ext>
             </a:extLst>
           </p:cNvPr>
@@ -4334,10 +4285,10 @@
       </p:sp>
       <p:sp>
         <p:nvSpPr>
-          <p:cNvPr id="80" name="TextBox 79">
+          <p:cNvPr id="85" name="TextBox 84">
             <a:extLst>
               <a:ext uri="{FF2B5EF4-FFF2-40B4-BE49-F238E27FC236}">
-                <a16:creationId xmlns:a16="http://schemas.microsoft.com/office/drawing/2014/main" id="{734ADCB6-A2CE-F24C-8477-DD3467CA63ED}"/>
+                <a16:creationId xmlns:a16="http://schemas.microsoft.com/office/drawing/2014/main" id="{FEBF48EB-F27A-9F42-9B24-F31E23C10329}"/>
               </a:ext>
             </a:extLst>
           </p:cNvPr>
@@ -4375,10 +4326,10 @@
       </p:sp>
       <p:sp>
         <p:nvSpPr>
-          <p:cNvPr id="81" name="TextBox 80">
+          <p:cNvPr id="86" name="TextBox 85">
             <a:extLst>
               <a:ext uri="{FF2B5EF4-FFF2-40B4-BE49-F238E27FC236}">
-                <a16:creationId xmlns:a16="http://schemas.microsoft.com/office/drawing/2014/main" id="{CCCF4CE4-FE6C-5342-92F1-6A487F4FF14D}"/>
+                <a16:creationId xmlns:a16="http://schemas.microsoft.com/office/drawing/2014/main" id="{FF996D5F-3487-7341-9F79-C93E6822C746}"/>
               </a:ext>
             </a:extLst>
           </p:cNvPr>
@@ -4416,16 +4367,16 @@
       </p:sp>
       <p:cxnSp>
         <p:nvCxnSpPr>
-          <p:cNvPr id="88" name="Straight Arrow Connector 87">
+          <p:cNvPr id="87" name="Straight Arrow Connector 86">
             <a:extLst>
               <a:ext uri="{FF2B5EF4-FFF2-40B4-BE49-F238E27FC236}">
-                <a16:creationId xmlns:a16="http://schemas.microsoft.com/office/drawing/2014/main" id="{B82A95B8-FE47-A645-9691-A6920A34660A}"/>
+                <a16:creationId xmlns:a16="http://schemas.microsoft.com/office/drawing/2014/main" id="{41AF7E1C-9C09-AD4A-9732-1D0D6F7A2309}"/>
               </a:ext>
             </a:extLst>
           </p:cNvPr>
           <p:cNvCxnSpPr>
             <a:cxnSpLocks/>
-            <a:stCxn id="14" idx="5"/>
+            <a:stCxn id="66" idx="5"/>
           </p:cNvCxnSpPr>
           <p:nvPr/>
         </p:nvCxnSpPr>
@@ -4459,10 +4410,10 @@
       </p:cxnSp>
       <p:sp>
         <p:nvSpPr>
-          <p:cNvPr id="93" name="Hexagon 92">
+          <p:cNvPr id="89" name="Hexagon 88">
             <a:extLst>
               <a:ext uri="{FF2B5EF4-FFF2-40B4-BE49-F238E27FC236}">
-                <a16:creationId xmlns:a16="http://schemas.microsoft.com/office/drawing/2014/main" id="{E91A95EC-F9F8-B946-A9C1-6E111603C05C}"/>
+                <a16:creationId xmlns:a16="http://schemas.microsoft.com/office/drawing/2014/main" id="{101761FC-DE31-7945-B950-015557DE2D05}"/>
               </a:ext>
             </a:extLst>
           </p:cNvPr>
@@ -4862,108 +4813,58 @@
 </file>
 
 <file path=ppt/theme/theme1.xml><?xml version="1.0" encoding="utf-8"?>
-<a:theme xmlns:a="http://schemas.openxmlformats.org/drawingml/2006/main" name="Office Theme">
+<a:theme xmlns:a="http://schemas.openxmlformats.org/drawingml/2006/main" name="Parcel">
   <a:themeElements>
-    <a:clrScheme name="Office">
+    <a:clrScheme name="Parcel">
       <a:dk1>
-        <a:sysClr val="windowText" lastClr="000000"/>
+        <a:srgbClr val="000000"/>
       </a:dk1>
       <a:lt1>
-        <a:sysClr val="window" lastClr="FFFFFF"/>
+        <a:srgbClr val="FFFFFF"/>
       </a:lt1>
       <a:dk2>
-        <a:srgbClr val="44546A"/>
+        <a:srgbClr val="4A5356"/>
       </a:dk2>
       <a:lt2>
-        <a:srgbClr val="E7E6E6"/>
+        <a:srgbClr val="E8E3CE"/>
       </a:lt2>
       <a:accent1>
-        <a:srgbClr val="4472C4"/>
+        <a:srgbClr val="F6A21D"/>
       </a:accent1>
       <a:accent2>
-        <a:srgbClr val="ED7D31"/>
+        <a:srgbClr val="9BAFB5"/>
       </a:accent2>
       <a:accent3>
-        <a:srgbClr val="A5A5A5"/>
+        <a:srgbClr val="C96731"/>
       </a:accent3>
       <a:accent4>
-        <a:srgbClr val="FFC000"/>
+        <a:srgbClr val="9CA383"/>
       </a:accent4>
       <a:accent5>
-        <a:srgbClr val="5B9BD5"/>
+        <a:srgbClr val="87795D"/>
       </a:accent5>
       <a:accent6>
-        <a:srgbClr val="70AD47"/>
+        <a:srgbClr val="A0988C"/>
       </a:accent6>
       <a:hlink>
-        <a:srgbClr val="0563C1"/>
+        <a:srgbClr val="00B0F0"/>
       </a:hlink>
       <a:folHlink>
-        <a:srgbClr val="954F72"/>
+        <a:srgbClr val="738F97"/>
       </a:folHlink>
     </a:clrScheme>
-    <a:fontScheme name="Office">
+    <a:fontScheme name="Parcel">
       <a:majorFont>
-        <a:latin typeface="Calibri Light" panose="020F0302020204030204"/>
+        <a:latin typeface="Gill Sans MT" panose="020B0502020104020203"/>
         <a:ea typeface=""/>
         <a:cs typeface=""/>
-        <a:font script="Jpan" typeface="游ゴシック Light"/>
-        <a:font script="Hang" typeface="맑은 고딕"/>
-        <a:font script="Hans" typeface="等线 Light"/>
-        <a:font script="Hant" typeface="新細明體"/>
-        <a:font script="Arab" typeface="Times New Roman"/>
-        <a:font script="Hebr" typeface="Times New Roman"/>
-        <a:font script="Thai" typeface="Angsana New"/>
-        <a:font script="Ethi" typeface="Nyala"/>
-        <a:font script="Beng" typeface="Vrinda"/>
-        <a:font script="Gujr" typeface="Shruti"/>
-        <a:font script="Khmr" typeface="MoolBoran"/>
-        <a:font script="Knda" typeface="Tunga"/>
-        <a:font script="Guru" typeface="Raavi"/>
-        <a:font script="Cans" typeface="Euphemia"/>
-        <a:font script="Cher" typeface="Plantagenet Cherokee"/>
-        <a:font script="Yiii" typeface="Microsoft Yi Baiti"/>
-        <a:font script="Tibt" typeface="Microsoft Himalaya"/>
-        <a:font script="Thaa" typeface="MV Boli"/>
-        <a:font script="Deva" typeface="Mangal"/>
-        <a:font script="Telu" typeface="Gautami"/>
-        <a:font script="Taml" typeface="Latha"/>
-        <a:font script="Syrc" typeface="Estrangelo Edessa"/>
-        <a:font script="Orya" typeface="Kalinga"/>
-        <a:font script="Mlym" typeface="Kartika"/>
-        <a:font script="Laoo" typeface="DokChampa"/>
-        <a:font script="Sinh" typeface="Iskoola Pota"/>
-        <a:font script="Mong" typeface="Mongolian Baiti"/>
-        <a:font script="Viet" typeface="Times New Roman"/>
-        <a:font script="Uigh" typeface="Microsoft Uighur"/>
-        <a:font script="Geor" typeface="Sylfaen"/>
-        <a:font script="Armn" typeface="Arial"/>
-        <a:font script="Bugi" typeface="Leelawadee UI"/>
-        <a:font script="Bopo" typeface="Microsoft JhengHei"/>
-        <a:font script="Java" typeface="Javanese Text"/>
-        <a:font script="Lisu" typeface="Segoe UI"/>
-        <a:font script="Mymr" typeface="Myanmar Text"/>
-        <a:font script="Nkoo" typeface="Ebrima"/>
-        <a:font script="Olck" typeface="Nirmala UI"/>
-        <a:font script="Osma" typeface="Ebrima"/>
-        <a:font script="Phag" typeface="Phagspa"/>
-        <a:font script="Syrn" typeface="Estrangelo Edessa"/>
-        <a:font script="Syrj" typeface="Estrangelo Edessa"/>
-        <a:font script="Syre" typeface="Estrangelo Edessa"/>
-        <a:font script="Sora" typeface="Nirmala UI"/>
-        <a:font script="Tale" typeface="Microsoft Tai Le"/>
-        <a:font script="Talu" typeface="Microsoft New Tai Lue"/>
-        <a:font script="Tfng" typeface="Ebrima"/>
-      </a:majorFont>
-      <a:minorFont>
-        <a:latin typeface="Calibri" panose="020F0502020204030204"/>
-        <a:ea typeface=""/>
-        <a:cs typeface=""/>
-        <a:font script="Jpan" typeface="游ゴシック"/>
-        <a:font script="Hang" typeface="맑은 고딕"/>
-        <a:font script="Hans" typeface="等线"/>
-        <a:font script="Hant" typeface="新細明體"/>
-        <a:font script="Arab" typeface="Arial"/>
+        <a:font script="Grek" typeface="Corbel"/>
+        <a:font script="Cyrl" typeface="Corbel"/>
+        <a:font script="Jpan" typeface="HGｺﾞｼｯｸE"/>
+        <a:font script="Hang" typeface="휴먼매직체"/>
+        <a:font script="Hans" typeface="华文中宋"/>
+        <a:font script="Hant" typeface="微軟正黑體"/>
+        <a:font script="Arab" typeface="Majalla UI"/>
         <a:font script="Hebr" typeface="Arial"/>
         <a:font script="Thai" typeface="Cordia New"/>
         <a:font script="Ethi" typeface="Nyala"/>
@@ -4986,29 +4887,49 @@
         <a:font script="Laoo" typeface="DokChampa"/>
         <a:font script="Sinh" typeface="Iskoola Pota"/>
         <a:font script="Mong" typeface="Mongolian Baiti"/>
-        <a:font script="Viet" typeface="Arial"/>
+        <a:font script="Viet" typeface="Tahoma"/>
         <a:font script="Uigh" typeface="Microsoft Uighur"/>
         <a:font script="Geor" typeface="Sylfaen"/>
-        <a:font script="Armn" typeface="Arial"/>
-        <a:font script="Bugi" typeface="Leelawadee UI"/>
-        <a:font script="Bopo" typeface="Microsoft JhengHei"/>
-        <a:font script="Java" typeface="Javanese Text"/>
-        <a:font script="Lisu" typeface="Segoe UI"/>
-        <a:font script="Mymr" typeface="Myanmar Text"/>
-        <a:font script="Nkoo" typeface="Ebrima"/>
-        <a:font script="Olck" typeface="Nirmala UI"/>
-        <a:font script="Osma" typeface="Ebrima"/>
-        <a:font script="Phag" typeface="Phagspa"/>
-        <a:font script="Syrn" typeface="Estrangelo Edessa"/>
-        <a:font script="Syrj" typeface="Estrangelo Edessa"/>
-        <a:font script="Syre" typeface="Estrangelo Edessa"/>
-        <a:font script="Sora" typeface="Nirmala UI"/>
-        <a:font script="Tale" typeface="Microsoft Tai Le"/>
-        <a:font script="Talu" typeface="Microsoft New Tai Lue"/>
-        <a:font script="Tfng" typeface="Ebrima"/>
+      </a:majorFont>
+      <a:minorFont>
+        <a:latin typeface="Gill Sans MT" panose="020B0502020104020203"/>
+        <a:ea typeface=""/>
+        <a:cs typeface=""/>
+        <a:font script="Grek" typeface="Corbel"/>
+        <a:font script="Cyrl" typeface="Corbel"/>
+        <a:font script="Jpan" typeface="HGｺﾞｼｯｸE"/>
+        <a:font script="Hang" typeface="휴먼매직체"/>
+        <a:font script="Hans" typeface="华文中宋"/>
+        <a:font script="Hant" typeface="微軟正黑體"/>
+        <a:font script="Arab" typeface="Majalla UI"/>
+        <a:font script="Hebr" typeface="Arial"/>
+        <a:font script="Thai" typeface="Cordia New"/>
+        <a:font script="Ethi" typeface="Nyala"/>
+        <a:font script="Beng" typeface="Vrinda"/>
+        <a:font script="Gujr" typeface="Shruti"/>
+        <a:font script="Khmr" typeface="DaunPenh"/>
+        <a:font script="Knda" typeface="Tunga"/>
+        <a:font script="Guru" typeface="Raavi"/>
+        <a:font script="Cans" typeface="Euphemia"/>
+        <a:font script="Cher" typeface="Plantagenet Cherokee"/>
+        <a:font script="Yiii" typeface="Microsoft Yi Baiti"/>
+        <a:font script="Tibt" typeface="Microsoft Himalaya"/>
+        <a:font script="Thaa" typeface="MV Boli"/>
+        <a:font script="Deva" typeface="Mangal"/>
+        <a:font script="Telu" typeface="Gautami"/>
+        <a:font script="Taml" typeface="Latha"/>
+        <a:font script="Syrc" typeface="Estrangelo Edessa"/>
+        <a:font script="Orya" typeface="Kalinga"/>
+        <a:font script="Mlym" typeface="Kartika"/>
+        <a:font script="Laoo" typeface="DokChampa"/>
+        <a:font script="Sinh" typeface="Iskoola Pota"/>
+        <a:font script="Mong" typeface="Mongolian Baiti"/>
+        <a:font script="Viet" typeface="Tahoma"/>
+        <a:font script="Uigh" typeface="Microsoft Uighur"/>
+        <a:font script="Geor" typeface="Sylfaen"/>
       </a:minorFont>
     </a:fontScheme>
-    <a:fmtScheme name="Office">
+    <a:fmtScheme name="Parcel">
       <a:fillStyleLst>
         <a:solidFill>
           <a:schemeClr val="phClr"/>
@@ -5017,23 +4938,16 @@
           <a:gsLst>
             <a:gs pos="0">
               <a:schemeClr val="phClr">
-                <a:lumMod val="110000"/>
-                <a:satMod val="105000"/>
-                <a:tint val="67000"/>
-              </a:schemeClr>
-            </a:gs>
-            <a:gs pos="50000">
-              <a:schemeClr val="phClr">
-                <a:lumMod val="105000"/>
-                <a:satMod val="103000"/>
-                <a:tint val="73000"/>
+                <a:tint val="80000"/>
+                <a:satMod val="107000"/>
+                <a:lumMod val="103000"/>
               </a:schemeClr>
             </a:gs>
             <a:gs pos="100000">
               <a:schemeClr val="phClr">
-                <a:lumMod val="105000"/>
+                <a:tint val="82000"/>
                 <a:satMod val="109000"/>
-                <a:tint val="81000"/>
+                <a:lumMod val="103000"/>
               </a:schemeClr>
             </a:gs>
           </a:gsLst>
@@ -5043,23 +4957,23 @@
           <a:gsLst>
             <a:gs pos="0">
               <a:schemeClr val="phClr">
-                <a:satMod val="103000"/>
+                <a:tint val="97000"/>
+                <a:satMod val="100000"/>
                 <a:lumMod val="102000"/>
-                <a:tint val="94000"/>
               </a:schemeClr>
             </a:gs>
             <a:gs pos="50000">
               <a:schemeClr val="phClr">
-                <a:satMod val="110000"/>
+                <a:shade val="100000"/>
+                <a:satMod val="103000"/>
                 <a:lumMod val="100000"/>
-                <a:shade val="100000"/>
               </a:schemeClr>
             </a:gs>
             <a:gs pos="100000">
               <a:schemeClr val="phClr">
+                <a:shade val="93000"/>
+                <a:satMod val="110000"/>
                 <a:lumMod val="99000"/>
-                <a:satMod val="120000"/>
-                <a:shade val="78000"/>
               </a:schemeClr>
             </a:gs>
           </a:gsLst>
@@ -5072,21 +4986,18 @@
             <a:schemeClr val="phClr"/>
           </a:solidFill>
           <a:prstDash val="solid"/>
-          <a:miter lim="800000"/>
         </a:ln>
         <a:ln w="12700" cap="flat" cmpd="sng" algn="ctr">
           <a:solidFill>
             <a:schemeClr val="phClr"/>
           </a:solidFill>
           <a:prstDash val="solid"/>
-          <a:miter lim="800000"/>
         </a:ln>
-        <a:ln w="19050" cap="flat" cmpd="sng" algn="ctr">
+        <a:ln w="31750" cap="flat" cmpd="sng" algn="ctr">
           <a:solidFill>
             <a:schemeClr val="phClr"/>
           </a:solidFill>
           <a:prstDash val="solid"/>
-          <a:miter lim="800000"/>
         </a:ln>
       </a:lnStyleLst>
       <a:effectStyleLst>
@@ -5098,12 +5009,21 @@
         </a:effectStyle>
         <a:effectStyle>
           <a:effectLst>
-            <a:outerShdw blurRad="57150" dist="19050" dir="5400000" algn="ctr" rotWithShape="0">
+            <a:outerShdw blurRad="55880" dist="15240" dir="5400000" algn="ctr" rotWithShape="0">
               <a:srgbClr val="000000">
-                <a:alpha val="63000"/>
+                <a:alpha val="45000"/>
               </a:srgbClr>
             </a:outerShdw>
           </a:effectLst>
+          <a:scene3d>
+            <a:camera prst="orthographicFront">
+              <a:rot lat="0" lon="0" rev="0"/>
+            </a:camera>
+            <a:lightRig rig="brightRoom" dir="tl"/>
+          </a:scene3d>
+          <a:sp3d prstMaterial="dkEdge">
+            <a:bevelT w="0" h="0"/>
+          </a:sp3d>
         </a:effectStyle>
       </a:effectStyleLst>
       <a:bgFillStyleLst>
@@ -5120,28 +5040,24 @@
           <a:gsLst>
             <a:gs pos="0">
               <a:schemeClr val="phClr">
-                <a:tint val="93000"/>
-                <a:satMod val="150000"/>
-                <a:shade val="98000"/>
-                <a:lumMod val="102000"/>
-              </a:schemeClr>
-            </a:gs>
-            <a:gs pos="50000">
-              <a:schemeClr val="phClr">
-                <a:tint val="98000"/>
-                <a:satMod val="130000"/>
-                <a:shade val="90000"/>
-                <a:lumMod val="103000"/>
+                <a:tint val="97000"/>
+                <a:shade val="100000"/>
+                <a:satMod val="185000"/>
+                <a:lumMod val="120000"/>
               </a:schemeClr>
             </a:gs>
             <a:gs pos="100000">
               <a:schemeClr val="phClr">
-                <a:shade val="63000"/>
-                <a:satMod val="120000"/>
+                <a:tint val="96000"/>
+                <a:shade val="95000"/>
+                <a:satMod val="215000"/>
+                <a:lumMod val="80000"/>
               </a:schemeClr>
             </a:gs>
           </a:gsLst>
-          <a:lin ang="5400000" scaled="0"/>
+          <a:path path="circle">
+            <a:fillToRect l="50000" t="55000" r="125000" b="100000"/>
+          </a:path>
         </a:gradFill>
       </a:bgFillStyleLst>
     </a:fmtScheme>
@@ -5150,7 +5066,7 @@
   <a:extraClrSchemeLst/>
   <a:extLst>
     <a:ext uri="{05A4C25C-085E-4340-85A3-A5531E510DB2}">
-      <thm15:themeFamily xmlns:thm15="http://schemas.microsoft.com/office/thememl/2012/main" name="Office Theme" id="{62F939B6-93AF-4DB8-9C6B-D6C7DFDC589F}" vid="{4A3C46E8-61CC-4603-A589-7422A47A8E4A}"/>
+      <thm15:themeFamily xmlns:thm15="http://schemas.microsoft.com/office/thememl/2012/main" name="Parcel" id="{8BEC4385-4EB9-4D53-BFB5-0EA123736B6D}" vid="{4DB32801-28C0-48B0-8C1D-A9A58613615A}"/>
     </a:ext>
   </a:extLst>
 </a:theme>

--- a/mobys-docs/1.pptx
+++ b/mobys-docs/1.pptx
@@ -280,7 +280,7 @@
           <a:p>
             <a:fld id="{50160722-6A9B-9842-B791-CFA39F1FD294}" type="datetimeFigureOut">
               <a:rPr lang="en-TR" smtClean="0"/>
-              <a:t>4.11.2022</a:t>
+              <a:t>19.11.2022</a:t>
             </a:fld>
             <a:endParaRPr lang="en-TR"/>
           </a:p>
@@ -450,7 +450,7 @@
           <a:p>
             <a:fld id="{50160722-6A9B-9842-B791-CFA39F1FD294}" type="datetimeFigureOut">
               <a:rPr lang="en-TR" smtClean="0"/>
-              <a:t>4.11.2022</a:t>
+              <a:t>19.11.2022</a:t>
             </a:fld>
             <a:endParaRPr lang="en-TR"/>
           </a:p>
@@ -630,7 +630,7 @@
           <a:p>
             <a:fld id="{50160722-6A9B-9842-B791-CFA39F1FD294}" type="datetimeFigureOut">
               <a:rPr lang="en-TR" smtClean="0"/>
-              <a:t>4.11.2022</a:t>
+              <a:t>19.11.2022</a:t>
             </a:fld>
             <a:endParaRPr lang="en-TR"/>
           </a:p>
@@ -800,7 +800,7 @@
           <a:p>
             <a:fld id="{50160722-6A9B-9842-B791-CFA39F1FD294}" type="datetimeFigureOut">
               <a:rPr lang="en-TR" smtClean="0"/>
-              <a:t>4.11.2022</a:t>
+              <a:t>19.11.2022</a:t>
             </a:fld>
             <a:endParaRPr lang="en-TR"/>
           </a:p>
@@ -1068,7 +1068,7 @@
           <a:p>
             <a:fld id="{50160722-6A9B-9842-B791-CFA39F1FD294}" type="datetimeFigureOut">
               <a:rPr lang="en-TR" smtClean="0"/>
-              <a:t>4.11.2022</a:t>
+              <a:t>19.11.2022</a:t>
             </a:fld>
             <a:endParaRPr lang="en-TR"/>
           </a:p>
@@ -1300,7 +1300,7 @@
           <a:p>
             <a:fld id="{50160722-6A9B-9842-B791-CFA39F1FD294}" type="datetimeFigureOut">
               <a:rPr lang="en-TR" smtClean="0"/>
-              <a:t>4.11.2022</a:t>
+              <a:t>19.11.2022</a:t>
             </a:fld>
             <a:endParaRPr lang="en-TR"/>
           </a:p>
@@ -1659,7 +1659,7 @@
           <a:p>
             <a:fld id="{50160722-6A9B-9842-B791-CFA39F1FD294}" type="datetimeFigureOut">
               <a:rPr lang="en-TR" smtClean="0"/>
-              <a:t>4.11.2022</a:t>
+              <a:t>19.11.2022</a:t>
             </a:fld>
             <a:endParaRPr lang="en-TR"/>
           </a:p>
@@ -1800,7 +1800,7 @@
           <a:p>
             <a:fld id="{50160722-6A9B-9842-B791-CFA39F1FD294}" type="datetimeFigureOut">
               <a:rPr lang="en-TR" smtClean="0"/>
-              <a:t>4.11.2022</a:t>
+              <a:t>19.11.2022</a:t>
             </a:fld>
             <a:endParaRPr lang="en-TR"/>
           </a:p>
@@ -1895,7 +1895,7 @@
           <a:p>
             <a:fld id="{50160722-6A9B-9842-B791-CFA39F1FD294}" type="datetimeFigureOut">
               <a:rPr lang="en-TR" smtClean="0"/>
-              <a:t>4.11.2022</a:t>
+              <a:t>19.11.2022</a:t>
             </a:fld>
             <a:endParaRPr lang="en-TR"/>
           </a:p>
@@ -2252,7 +2252,7 @@
           <a:p>
             <a:fld id="{50160722-6A9B-9842-B791-CFA39F1FD294}" type="datetimeFigureOut">
               <a:rPr lang="en-TR" smtClean="0"/>
-              <a:t>4.11.2022</a:t>
+              <a:t>19.11.2022</a:t>
             </a:fld>
             <a:endParaRPr lang="en-TR"/>
           </a:p>
@@ -2609,7 +2609,7 @@
           <a:p>
             <a:fld id="{50160722-6A9B-9842-B791-CFA39F1FD294}" type="datetimeFigureOut">
               <a:rPr lang="en-TR" smtClean="0"/>
-              <a:t>4.11.2022</a:t>
+              <a:t>19.11.2022</a:t>
             </a:fld>
             <a:endParaRPr lang="en-TR"/>
           </a:p>
@@ -2851,7 +2851,7 @@
           <a:p>
             <a:fld id="{50160722-6A9B-9842-B791-CFA39F1FD294}" type="datetimeFigureOut">
               <a:rPr lang="en-TR" smtClean="0"/>
-              <a:t>4.11.2022</a:t>
+              <a:t>19.11.2022</a:t>
             </a:fld>
             <a:endParaRPr lang="en-TR"/>
           </a:p>
@@ -3388,10 +3388,10 @@
       </p:grpSpPr>
       <p:sp>
         <p:nvSpPr>
-          <p:cNvPr id="54" name="Rectangle 53">
+          <p:cNvPr id="31" name="Rectangle 30">
             <a:extLst>
               <a:ext uri="{FF2B5EF4-FFF2-40B4-BE49-F238E27FC236}">
-                <a16:creationId xmlns:a16="http://schemas.microsoft.com/office/drawing/2014/main" id="{1B7500EC-2740-F547-827C-1CB2ED2C5BDE}"/>
+                <a16:creationId xmlns:a16="http://schemas.microsoft.com/office/drawing/2014/main" id="{B33FB7F4-2A8A-0749-97F2-920FFCDC1AE5}"/>
               </a:ext>
             </a:extLst>
           </p:cNvPr>
@@ -3400,14 +3400,14 @@
         </p:nvSpPr>
         <p:spPr>
           <a:xfrm>
-            <a:off x="8334617" y="411954"/>
-            <a:ext cx="3307334" cy="3698860"/>
+            <a:off x="556385" y="2349847"/>
+            <a:ext cx="3862155" cy="1790533"/>
           </a:xfrm>
           <a:prstGeom prst="rect">
             <a:avLst/>
           </a:prstGeom>
           <a:solidFill>
-            <a:schemeClr val="accent6">
+            <a:schemeClr val="accent4">
               <a:lumMod val="20000"/>
               <a:lumOff val="80000"/>
             </a:schemeClr>
@@ -3434,16 +3434,57 @@
           <a:lstStyle/>
           <a:p>
             <a:pPr algn="ctr"/>
-            <a:endParaRPr lang="en-TR"/>
-          </a:p>
-        </p:txBody>
-      </p:sp>
-      <p:sp>
-        <p:nvSpPr>
-          <p:cNvPr id="55" name="Rectangle 54">
+            <a:endParaRPr lang="en-TR" dirty="0"/>
+          </a:p>
+        </p:txBody>
+      </p:sp>
+      <p:sp>
+        <p:nvSpPr>
+          <p:cNvPr id="32" name="TextBox 31">
             <a:extLst>
               <a:ext uri="{FF2B5EF4-FFF2-40B4-BE49-F238E27FC236}">
-                <a16:creationId xmlns:a16="http://schemas.microsoft.com/office/drawing/2014/main" id="{95357960-FA8A-674D-9CBE-AE79A15B170D}"/>
+                <a16:creationId xmlns:a16="http://schemas.microsoft.com/office/drawing/2014/main" id="{9EAD0388-3AC5-A84B-89E5-B2602165314E}"/>
+              </a:ext>
+            </a:extLst>
+          </p:cNvPr>
+          <p:cNvSpPr txBox="1"/>
+          <p:nvPr/>
+        </p:nvSpPr>
+        <p:spPr>
+          <a:xfrm>
+            <a:off x="1192937" y="3537817"/>
+            <a:ext cx="2619884" cy="461665"/>
+          </a:xfrm>
+          <a:prstGeom prst="rect">
+            <a:avLst/>
+          </a:prstGeom>
+          <a:noFill/>
+        </p:spPr>
+        <p:txBody>
+          <a:bodyPr wrap="none" rtlCol="0">
+            <a:spAutoFit/>
+          </a:bodyPr>
+          <a:lstStyle/>
+          <a:p>
+            <a:r>
+              <a:rPr lang="en-TR" sz="2400" dirty="0">
+                <a:solidFill>
+                  <a:schemeClr val="accent4">
+                    <a:lumMod val="50000"/>
+                  </a:schemeClr>
+                </a:solidFill>
+              </a:rPr>
+              <a:t>React Native(Expo)</a:t>
+            </a:r>
+          </a:p>
+        </p:txBody>
+      </p:sp>
+      <p:sp>
+        <p:nvSpPr>
+          <p:cNvPr id="54" name="Rectangle 53">
+            <a:extLst>
+              <a:ext uri="{FF2B5EF4-FFF2-40B4-BE49-F238E27FC236}">
+                <a16:creationId xmlns:a16="http://schemas.microsoft.com/office/drawing/2014/main" id="{1B7500EC-2740-F547-827C-1CB2ED2C5BDE}"/>
               </a:ext>
             </a:extLst>
           </p:cNvPr>
@@ -3452,14 +3493,14 @@
         </p:nvSpPr>
         <p:spPr>
           <a:xfrm>
-            <a:off x="532481" y="411954"/>
-            <a:ext cx="3862155" cy="3711093"/>
+            <a:off x="8334617" y="411954"/>
+            <a:ext cx="3307334" cy="3698860"/>
           </a:xfrm>
           <a:prstGeom prst="rect">
             <a:avLst/>
           </a:prstGeom>
           <a:solidFill>
-            <a:schemeClr val="accent4">
+            <a:schemeClr val="accent6">
               <a:lumMod val="20000"/>
               <a:lumOff val="80000"/>
             </a:schemeClr>
@@ -3486,16 +3527,16 @@
           <a:lstStyle/>
           <a:p>
             <a:pPr algn="ctr"/>
-            <a:endParaRPr lang="en-TR" dirty="0"/>
-          </a:p>
-        </p:txBody>
-      </p:sp>
-      <p:sp>
-        <p:nvSpPr>
-          <p:cNvPr id="59" name="Rectangle 58">
+            <a:endParaRPr lang="en-TR"/>
+          </a:p>
+        </p:txBody>
+      </p:sp>
+      <p:sp>
+        <p:nvSpPr>
+          <p:cNvPr id="55" name="Rectangle 54">
             <a:extLst>
               <a:ext uri="{FF2B5EF4-FFF2-40B4-BE49-F238E27FC236}">
-                <a16:creationId xmlns:a16="http://schemas.microsoft.com/office/drawing/2014/main" id="{955523DF-3632-1F4E-81CC-B993F9974038}"/>
+                <a16:creationId xmlns:a16="http://schemas.microsoft.com/office/drawing/2014/main" id="{95357960-FA8A-674D-9CBE-AE79A15B170D}"/>
               </a:ext>
             </a:extLst>
           </p:cNvPr>
@@ -3504,14 +3545,14 @@
         </p:nvSpPr>
         <p:spPr>
           <a:xfrm>
-            <a:off x="4472869" y="411955"/>
-            <a:ext cx="3783515" cy="3698860"/>
+            <a:off x="532481" y="411954"/>
+            <a:ext cx="3862155" cy="1790533"/>
           </a:xfrm>
           <a:prstGeom prst="rect">
             <a:avLst/>
           </a:prstGeom>
           <a:solidFill>
-            <a:schemeClr val="accent5">
+            <a:schemeClr val="accent4">
               <a:lumMod val="20000"/>
               <a:lumOff val="80000"/>
             </a:schemeClr>
@@ -3544,10 +3585,10 @@
       </p:sp>
       <p:sp>
         <p:nvSpPr>
-          <p:cNvPr id="60" name="Rectangle 59">
+          <p:cNvPr id="59" name="Rectangle 58">
             <a:extLst>
               <a:ext uri="{FF2B5EF4-FFF2-40B4-BE49-F238E27FC236}">
-                <a16:creationId xmlns:a16="http://schemas.microsoft.com/office/drawing/2014/main" id="{BD876CBB-E163-F64C-AFD1-EC720F265200}"/>
+                <a16:creationId xmlns:a16="http://schemas.microsoft.com/office/drawing/2014/main" id="{955523DF-3632-1F4E-81CC-B993F9974038}"/>
               </a:ext>
             </a:extLst>
           </p:cNvPr>
@@ -3556,15 +3597,16 @@
         </p:nvSpPr>
         <p:spPr>
           <a:xfrm>
-            <a:off x="2220602" y="4220901"/>
-            <a:ext cx="3384556" cy="2160317"/>
+            <a:off x="4472869" y="411955"/>
+            <a:ext cx="3783515" cy="3698860"/>
           </a:xfrm>
           <a:prstGeom prst="rect">
             <a:avLst/>
           </a:prstGeom>
           <a:solidFill>
-            <a:schemeClr val="bg1">
-              <a:lumMod val="95000"/>
+            <a:schemeClr val="accent5">
+              <a:lumMod val="20000"/>
+              <a:lumOff val="80000"/>
             </a:schemeClr>
           </a:solidFill>
         </p:spPr>
@@ -3589,6 +3631,57 @@
           <a:lstStyle/>
           <a:p>
             <a:pPr algn="ctr"/>
+            <a:endParaRPr lang="en-TR" dirty="0"/>
+          </a:p>
+        </p:txBody>
+      </p:sp>
+      <p:sp>
+        <p:nvSpPr>
+          <p:cNvPr id="60" name="Rectangle 59">
+            <a:extLst>
+              <a:ext uri="{FF2B5EF4-FFF2-40B4-BE49-F238E27FC236}">
+                <a16:creationId xmlns:a16="http://schemas.microsoft.com/office/drawing/2014/main" id="{BD876CBB-E163-F64C-AFD1-EC720F265200}"/>
+              </a:ext>
+            </a:extLst>
+          </p:cNvPr>
+          <p:cNvSpPr/>
+          <p:nvPr/>
+        </p:nvSpPr>
+        <p:spPr>
+          <a:xfrm>
+            <a:off x="2220602" y="4220901"/>
+            <a:ext cx="3384556" cy="2160317"/>
+          </a:xfrm>
+          <a:prstGeom prst="rect">
+            <a:avLst/>
+          </a:prstGeom>
+          <a:solidFill>
+            <a:schemeClr val="bg1">
+              <a:lumMod val="95000"/>
+            </a:schemeClr>
+          </a:solidFill>
+        </p:spPr>
+        <p:style>
+          <a:lnRef idx="2">
+            <a:schemeClr val="accent1">
+              <a:shade val="50000"/>
+            </a:schemeClr>
+          </a:lnRef>
+          <a:fillRef idx="1">
+            <a:schemeClr val="accent1"/>
+          </a:fillRef>
+          <a:effectRef idx="0">
+            <a:schemeClr val="accent1"/>
+          </a:effectRef>
+          <a:fontRef idx="minor">
+            <a:schemeClr val="lt1"/>
+          </a:fontRef>
+        </p:style>
+        <p:txBody>
+          <a:bodyPr rtlCol="0" anchor="ctr"/>
+          <a:lstStyle/>
+          <a:p>
+            <a:pPr algn="ctr"/>
             <a:endParaRPr lang="en-TR"/>
           </a:p>
         </p:txBody>
@@ -3608,7 +3701,7 @@
         <p:spPr>
           <a:xfrm>
             <a:off x="986347" y="1307044"/>
-            <a:ext cx="2010565" cy="2121956"/>
+            <a:ext cx="2010565" cy="732767"/>
           </a:xfrm>
           <a:prstGeom prst="roundRect">
             <a:avLst/>
@@ -3637,7 +3730,7 @@
             <a:pPr algn="ctr"/>
             <a:r>
               <a:rPr lang="en-TR" dirty="0"/>
-              <a:t>Client</a:t>
+              <a:t>Client-1(Web)</a:t>
             </a:r>
           </a:p>
         </p:txBody>
@@ -3742,8 +3835,8 @@
         </p:nvCxnSpPr>
         <p:spPr>
           <a:xfrm>
-            <a:off x="2996912" y="2368022"/>
-            <a:ext cx="577804" cy="13783"/>
+            <a:off x="2996912" y="1673428"/>
+            <a:ext cx="577804" cy="708377"/>
           </a:xfrm>
           <a:prstGeom prst="straightConnector1">
             <a:avLst/>
@@ -4215,8 +4308,8 @@
         </p:nvSpPr>
         <p:spPr>
           <a:xfrm>
-            <a:off x="1888208" y="612528"/>
-            <a:ext cx="1150700" cy="461665"/>
+            <a:off x="1899931" y="612528"/>
+            <a:ext cx="1140056" cy="461665"/>
           </a:xfrm>
           <a:prstGeom prst="rect">
             <a:avLst/>
@@ -4463,6 +4556,134 @@
             <a:r>
               <a:rPr lang="en-TR" dirty="0"/>
               <a:t>Drone</a:t>
+            </a:r>
+          </a:p>
+        </p:txBody>
+      </p:sp>
+      <p:sp>
+        <p:nvSpPr>
+          <p:cNvPr id="27" name="Rounded Rectangle 26">
+            <a:extLst>
+              <a:ext uri="{FF2B5EF4-FFF2-40B4-BE49-F238E27FC236}">
+                <a16:creationId xmlns:a16="http://schemas.microsoft.com/office/drawing/2014/main" id="{DBED259F-686C-414D-B603-DE498E6EADDA}"/>
+              </a:ext>
+            </a:extLst>
+          </p:cNvPr>
+          <p:cNvSpPr/>
+          <p:nvPr/>
+        </p:nvSpPr>
+        <p:spPr>
+          <a:xfrm>
+            <a:off x="1009652" y="2664153"/>
+            <a:ext cx="2010565" cy="732767"/>
+          </a:xfrm>
+          <a:prstGeom prst="roundRect">
+            <a:avLst/>
+          </a:prstGeom>
+        </p:spPr>
+        <p:style>
+          <a:lnRef idx="2">
+            <a:schemeClr val="accent4">
+              <a:shade val="50000"/>
+            </a:schemeClr>
+          </a:lnRef>
+          <a:fillRef idx="1">
+            <a:schemeClr val="accent4"/>
+          </a:fillRef>
+          <a:effectRef idx="0">
+            <a:schemeClr val="accent4"/>
+          </a:effectRef>
+          <a:fontRef idx="minor">
+            <a:schemeClr val="lt1"/>
+          </a:fontRef>
+        </p:style>
+        <p:txBody>
+          <a:bodyPr rtlCol="0" anchor="ctr"/>
+          <a:lstStyle/>
+          <a:p>
+            <a:pPr algn="ctr"/>
+            <a:r>
+              <a:rPr lang="en-TR" dirty="0"/>
+              <a:t>Client-1(Mobil)</a:t>
+            </a:r>
+          </a:p>
+        </p:txBody>
+      </p:sp>
+      <p:cxnSp>
+        <p:nvCxnSpPr>
+          <p:cNvPr id="33" name="Straight Arrow Connector 32">
+            <a:extLst>
+              <a:ext uri="{FF2B5EF4-FFF2-40B4-BE49-F238E27FC236}">
+                <a16:creationId xmlns:a16="http://schemas.microsoft.com/office/drawing/2014/main" id="{84293B47-7E26-9543-943D-04635C5F7094}"/>
+              </a:ext>
+            </a:extLst>
+          </p:cNvPr>
+          <p:cNvCxnSpPr>
+            <a:cxnSpLocks/>
+            <a:stCxn id="27" idx="3"/>
+            <a:endCxn id="65" idx="1"/>
+          </p:cNvCxnSpPr>
+          <p:nvPr/>
+        </p:nvCxnSpPr>
+        <p:spPr>
+          <a:xfrm flipV="1">
+            <a:off x="3020217" y="2381805"/>
+            <a:ext cx="554499" cy="648732"/>
+          </a:xfrm>
+          <a:prstGeom prst="straightConnector1">
+            <a:avLst/>
+          </a:prstGeom>
+          <a:ln w="50800">
+            <a:headEnd type="triangle"/>
+            <a:tailEnd type="triangle"/>
+          </a:ln>
+        </p:spPr>
+        <p:style>
+          <a:lnRef idx="1">
+            <a:schemeClr val="dk1"/>
+          </a:lnRef>
+          <a:fillRef idx="0">
+            <a:schemeClr val="dk1"/>
+          </a:fillRef>
+          <a:effectRef idx="0">
+            <a:schemeClr val="dk1"/>
+          </a:effectRef>
+          <a:fontRef idx="minor">
+            <a:schemeClr val="tx1"/>
+          </a:fontRef>
+        </p:style>
+      </p:cxnSp>
+      <p:sp>
+        <p:nvSpPr>
+          <p:cNvPr id="37" name="TextBox 36">
+            <a:extLst>
+              <a:ext uri="{FF2B5EF4-FFF2-40B4-BE49-F238E27FC236}">
+                <a16:creationId xmlns:a16="http://schemas.microsoft.com/office/drawing/2014/main" id="{E6377485-D551-FF46-A9BC-6ACE7ADA1004}"/>
+              </a:ext>
+            </a:extLst>
+          </p:cNvPr>
+          <p:cNvSpPr txBox="1"/>
+          <p:nvPr/>
+        </p:nvSpPr>
+        <p:spPr>
+          <a:xfrm rot="19594539">
+            <a:off x="4383038" y="3732069"/>
+            <a:ext cx="1659429" cy="369332"/>
+          </a:xfrm>
+          <a:prstGeom prst="rect">
+            <a:avLst/>
+          </a:prstGeom>
+          <a:noFill/>
+        </p:spPr>
+        <p:txBody>
+          <a:bodyPr wrap="none" rtlCol="0">
+            <a:spAutoFit/>
+          </a:bodyPr>
+          <a:lstStyle/>
+          <a:p>
+            <a:r>
+              <a:rPr lang="en-TR" dirty="0"/>
+              <a:t>Prisma.js(ORM)</a:t>
             </a:r>
           </a:p>
         </p:txBody>
